--- a/ppt/0527_2조_나현희_신원철.pptx
+++ b/ppt/0527_2조_나현희_신원철.pptx
@@ -1122,7 +1122,7 @@
             <a:fld id="{01015650-063C-455C-8B59-3D8A2C6803D6}" type="datetimeFigureOut">
               <a:rPr lang="ko-KR" altLang="en-US" smtClean="0"/>
               <a:pPr/>
-              <a:t>2023-05-27</a:t>
+              <a:t>2023-05-28</a:t>
             </a:fld>
             <a:endParaRPr lang="ko-KR" altLang="en-US"/>
           </a:p>
@@ -2921,6 +2921,153 @@
               <a:t>History: 0.57660820547140147368421052631579</a:t>
             </a:r>
           </a:p>
+          <a:p>
+            <a:pPr marL="0" marR="0" lvl="0" indent="0" algn="l" defTabSz="914400" rtl="0" eaLnBrk="1" fontAlgn="auto" latinLnBrk="1" hangingPunct="1">
+              <a:lnSpc>
+                <a:spcPct val="100000"/>
+              </a:lnSpc>
+              <a:spcBef>
+                <a:spcPts val="0"/>
+              </a:spcBef>
+              <a:spcAft>
+                <a:spcPts val="0"/>
+              </a:spcAft>
+              <a:buClrTx/>
+              <a:buSzTx/>
+              <a:buFontTx/>
+              <a:buNone/>
+              <a:tabLst/>
+              <a:defRPr/>
+            </a:pPr>
+            <a:r>
+              <a:rPr lang="en-US" altLang="ko-KR" dirty="0"/>
+              <a:t>Fs_</a:t>
+            </a:r>
+            <a:r>
+              <a:rPr lang="ko-KR" altLang="en-US" dirty="0"/>
+              <a:t> </a:t>
+            </a:r>
+            <a:r>
+              <a:rPr lang="en-US" altLang="ko-KR" dirty="0"/>
+              <a:t>:</a:t>
+            </a:r>
+            <a:r>
+              <a:rPr lang="ko-KR" altLang="en-US" dirty="0"/>
+              <a:t> </a:t>
+            </a:r>
+            <a:r>
+              <a:rPr lang="en-US" altLang="ko-KR" dirty="0"/>
+              <a:t>0.40450383647146436170212765957447</a:t>
+            </a:r>
+          </a:p>
+          <a:p>
+            <a:pPr marL="0" marR="0" lvl="0" indent="0" algn="l" defTabSz="914400" rtl="0" eaLnBrk="1" fontAlgn="auto" latinLnBrk="1" hangingPunct="1">
+              <a:lnSpc>
+                <a:spcPct val="100000"/>
+              </a:lnSpc>
+              <a:spcBef>
+                <a:spcPts val="0"/>
+              </a:spcBef>
+              <a:spcAft>
+                <a:spcPts val="0"/>
+              </a:spcAft>
+              <a:buClrTx/>
+              <a:buSzTx/>
+              <a:buFontTx/>
+              <a:buNone/>
+              <a:tabLst/>
+              <a:defRPr/>
+            </a:pPr>
+            <a:r>
+              <a:rPr lang="en-US" altLang="ko-KR" dirty="0" err="1"/>
+              <a:t>fm</a:t>
+            </a:r>
+            <a:r>
+              <a:rPr lang="en-US" altLang="ko-KR" dirty="0"/>
+              <a:t>_: 0.54897598815307805429864253393665</a:t>
+            </a:r>
+          </a:p>
+          <a:p>
+            <a:pPr marL="0" marR="0" lvl="0" indent="0" algn="l" defTabSz="914400" rtl="0" eaLnBrk="1" fontAlgn="auto" latinLnBrk="1" hangingPunct="1">
+              <a:lnSpc>
+                <a:spcPct val="100000"/>
+              </a:lnSpc>
+              <a:spcBef>
+                <a:spcPts val="0"/>
+              </a:spcBef>
+              <a:spcAft>
+                <a:spcPts val="0"/>
+              </a:spcAft>
+              <a:buClrTx/>
+              <a:buSzTx/>
+              <a:buFontTx/>
+              <a:buNone/>
+              <a:tabLst/>
+              <a:defRPr/>
+            </a:pPr>
+            <a:r>
+              <a:rPr lang="en-US" altLang="ko-KR" dirty="0"/>
+              <a:t>Enter:</a:t>
+            </a:r>
+            <a:r>
+              <a:rPr lang="ko-KR" altLang="en-US" dirty="0"/>
+              <a:t> </a:t>
+            </a:r>
+            <a:r>
+              <a:rPr lang="en-US" altLang="ko-KR" dirty="0"/>
+              <a:t>0.24161549312930331</a:t>
+            </a:r>
+          </a:p>
+          <a:p>
+            <a:pPr marL="0" marR="0" lvl="0" indent="0" algn="l" defTabSz="914400" rtl="0" eaLnBrk="1" fontAlgn="auto" latinLnBrk="1" hangingPunct="1">
+              <a:lnSpc>
+                <a:spcPct val="100000"/>
+              </a:lnSpc>
+              <a:spcBef>
+                <a:spcPts val="0"/>
+              </a:spcBef>
+              <a:spcAft>
+                <a:spcPts val="0"/>
+              </a:spcAft>
+              <a:buClrTx/>
+              <a:buSzTx/>
+              <a:buFontTx/>
+              <a:buNone/>
+              <a:tabLst/>
+              <a:defRPr/>
+            </a:pPr>
+            <a:r>
+              <a:rPr lang="en-US" altLang="ko-KR" dirty="0" err="1"/>
+              <a:t>C_event</a:t>
+            </a:r>
+            <a:r>
+              <a:rPr lang="en-US" altLang="ko-KR" dirty="0"/>
+              <a:t>: 0.353230177</a:t>
+            </a:r>
+          </a:p>
+          <a:p>
+            <a:pPr marL="0" marR="0" lvl="0" indent="0" algn="l" defTabSz="914400" rtl="0" eaLnBrk="1" fontAlgn="auto" latinLnBrk="1" hangingPunct="1">
+              <a:lnSpc>
+                <a:spcPct val="100000"/>
+              </a:lnSpc>
+              <a:spcBef>
+                <a:spcPts val="0"/>
+              </a:spcBef>
+              <a:spcAft>
+                <a:spcPts val="0"/>
+              </a:spcAft>
+              <a:buClrTx/>
+              <a:buSzTx/>
+              <a:buFontTx/>
+              <a:buNone/>
+              <a:tabLst/>
+              <a:defRPr/>
+            </a:pPr>
+            <a:r>
+              <a:rPr lang="en-US" altLang="ko-KR" dirty="0"/>
+              <a:t>Culture: 0.35413462887832107966804979253112</a:t>
+            </a:r>
+          </a:p>
         </p:txBody>
       </p:sp>
       <p:sp>
@@ -3140,7 +3287,7 @@
             <a:fld id="{7C350D00-E9DF-4C32-8EF9-982D014E2409}" type="datetimeFigureOut">
               <a:rPr lang="ko-KR" altLang="en-US" smtClean="0"/>
               <a:pPr/>
-              <a:t>2023-05-27</a:t>
+              <a:t>2023-05-28</a:t>
             </a:fld>
             <a:endParaRPr lang="ko-KR" altLang="en-US"/>
           </a:p>
@@ -3305,7 +3452,7 @@
             <a:fld id="{7C350D00-E9DF-4C32-8EF9-982D014E2409}" type="datetimeFigureOut">
               <a:rPr lang="ko-KR" altLang="en-US" smtClean="0"/>
               <a:pPr/>
-              <a:t>2023-05-27</a:t>
+              <a:t>2023-05-28</a:t>
             </a:fld>
             <a:endParaRPr lang="ko-KR" altLang="en-US"/>
           </a:p>
@@ -3480,7 +3627,7 @@
             <a:fld id="{7C350D00-E9DF-4C32-8EF9-982D014E2409}" type="datetimeFigureOut">
               <a:rPr lang="ko-KR" altLang="en-US" smtClean="0"/>
               <a:pPr/>
-              <a:t>2023-05-27</a:t>
+              <a:t>2023-05-28</a:t>
             </a:fld>
             <a:endParaRPr lang="ko-KR" altLang="en-US"/>
           </a:p>
@@ -3645,7 +3792,7 @@
             <a:fld id="{7C350D00-E9DF-4C32-8EF9-982D014E2409}" type="datetimeFigureOut">
               <a:rPr lang="ko-KR" altLang="en-US" smtClean="0"/>
               <a:pPr/>
-              <a:t>2023-05-27</a:t>
+              <a:t>2023-05-28</a:t>
             </a:fld>
             <a:endParaRPr lang="ko-KR" altLang="en-US"/>
           </a:p>
@@ -3887,7 +4034,7 @@
             <a:fld id="{7C350D00-E9DF-4C32-8EF9-982D014E2409}" type="datetimeFigureOut">
               <a:rPr lang="ko-KR" altLang="en-US" smtClean="0"/>
               <a:pPr/>
-              <a:t>2023-05-27</a:t>
+              <a:t>2023-05-28</a:t>
             </a:fld>
             <a:endParaRPr lang="ko-KR" altLang="en-US"/>
           </a:p>
@@ -4169,7 +4316,7 @@
             <a:fld id="{7C350D00-E9DF-4C32-8EF9-982D014E2409}" type="datetimeFigureOut">
               <a:rPr lang="ko-KR" altLang="en-US" smtClean="0"/>
               <a:pPr/>
-              <a:t>2023-05-27</a:t>
+              <a:t>2023-05-28</a:t>
             </a:fld>
             <a:endParaRPr lang="ko-KR" altLang="en-US"/>
           </a:p>
@@ -4590,7 +4737,7 @@
             <a:fld id="{7C350D00-E9DF-4C32-8EF9-982D014E2409}" type="datetimeFigureOut">
               <a:rPr lang="ko-KR" altLang="en-US" smtClean="0"/>
               <a:pPr/>
-              <a:t>2023-05-27</a:t>
+              <a:t>2023-05-28</a:t>
             </a:fld>
             <a:endParaRPr lang="ko-KR" altLang="en-US"/>
           </a:p>
@@ -4704,7 +4851,7 @@
             <a:fld id="{7C350D00-E9DF-4C32-8EF9-982D014E2409}" type="datetimeFigureOut">
               <a:rPr lang="ko-KR" altLang="en-US" smtClean="0"/>
               <a:pPr/>
-              <a:t>2023-05-27</a:t>
+              <a:t>2023-05-28</a:t>
             </a:fld>
             <a:endParaRPr lang="ko-KR" altLang="en-US"/>
           </a:p>
@@ -4796,7 +4943,7 @@
             <a:fld id="{7C350D00-E9DF-4C32-8EF9-982D014E2409}" type="datetimeFigureOut">
               <a:rPr lang="ko-KR" altLang="en-US" smtClean="0"/>
               <a:pPr/>
-              <a:t>2023-05-27</a:t>
+              <a:t>2023-05-28</a:t>
             </a:fld>
             <a:endParaRPr lang="ko-KR" altLang="en-US"/>
           </a:p>
@@ -5068,7 +5215,7 @@
             <a:fld id="{7C350D00-E9DF-4C32-8EF9-982D014E2409}" type="datetimeFigureOut">
               <a:rPr lang="ko-KR" altLang="en-US" smtClean="0"/>
               <a:pPr/>
-              <a:t>2023-05-27</a:t>
+              <a:t>2023-05-28</a:t>
             </a:fld>
             <a:endParaRPr lang="ko-KR" altLang="en-US"/>
           </a:p>
@@ -5317,7 +5464,7 @@
             <a:fld id="{7C350D00-E9DF-4C32-8EF9-982D014E2409}" type="datetimeFigureOut">
               <a:rPr lang="ko-KR" altLang="en-US" smtClean="0"/>
               <a:pPr/>
-              <a:t>2023-05-27</a:t>
+              <a:t>2023-05-28</a:t>
             </a:fld>
             <a:endParaRPr lang="ko-KR" altLang="en-US"/>
           </a:p>
@@ -5525,7 +5672,7 @@
             <a:fld id="{7C350D00-E9DF-4C32-8EF9-982D014E2409}" type="datetimeFigureOut">
               <a:rPr lang="ko-KR" altLang="en-US" smtClean="0"/>
               <a:pPr/>
-              <a:t>2023-05-27</a:t>
+              <a:t>2023-05-28</a:t>
             </a:fld>
             <a:endParaRPr lang="ko-KR" altLang="en-US"/>
           </a:p>

--- a/ppt/0527_2조_나현희_신원철.pptx
+++ b/ppt/0527_2조_나현희_신원철.pptx
@@ -1122,7 +1122,7 @@
             <a:fld id="{01015650-063C-455C-8B59-3D8A2C6803D6}" type="datetimeFigureOut">
               <a:rPr lang="ko-KR" altLang="en-US" smtClean="0"/>
               <a:pPr/>
-              <a:t>2023-05-28</a:t>
+              <a:t>2023-05-29</a:t>
             </a:fld>
             <a:endParaRPr lang="ko-KR" altLang="en-US"/>
           </a:p>
@@ -1535,47 +1535,23 @@
             </a:pPr>
             <a:r>
               <a:rPr lang="ko-KR" altLang="en-US" dirty="0"/>
-              <a:t>파라미터는 다음과 같이 설정한 경우 </a:t>
+              <a:t>참고를 위한 성능표에서 </a:t>
+            </a:r>
+            <a:r>
+              <a:rPr lang="en-US" altLang="ko-KR" dirty="0" err="1"/>
+              <a:t>blanc</a:t>
+            </a:r>
+            <a:r>
+              <a:rPr lang="ko-KR" altLang="en-US" dirty="0"/>
+              <a:t>점수가 가장 높은 경우 </a:t>
             </a:r>
             <a:r>
               <a:rPr lang="en-US" altLang="ko-KR" dirty="0"/>
-              <a:t>rouge</a:t>
+              <a:t>0.14</a:t>
             </a:r>
             <a:r>
               <a:rPr lang="ko-KR" altLang="en-US" dirty="0"/>
-              <a:t>점수가 가장 높게 나왔으며 </a:t>
-            </a:r>
-            <a:r>
-              <a:rPr lang="ko-KR" altLang="en-US" dirty="0" err="1"/>
-              <a:t>에폭이</a:t>
-            </a:r>
-            <a:r>
-              <a:rPr lang="ko-KR" altLang="en-US" dirty="0"/>
-              <a:t> 지날수록 </a:t>
-            </a:r>
-            <a:r>
-              <a:rPr lang="en-US" altLang="ko-KR" dirty="0"/>
-              <a:t>training data</a:t>
-            </a:r>
-            <a:r>
-              <a:rPr lang="ko-KR" altLang="en-US" dirty="0"/>
-              <a:t>와 </a:t>
-            </a:r>
-            <a:r>
-              <a:rPr lang="en-US" altLang="ko-KR" dirty="0"/>
-              <a:t>validation data</a:t>
-            </a:r>
-            <a:r>
-              <a:rPr lang="ko-KR" altLang="en-US" dirty="0"/>
-              <a:t>에 대해서 </a:t>
-            </a:r>
-            <a:r>
-              <a:rPr lang="en-US" altLang="ko-KR" dirty="0"/>
-              <a:t>loss</a:t>
-            </a:r>
-            <a:r>
-              <a:rPr lang="ko-KR" altLang="en-US" dirty="0"/>
-              <a:t>가 줄어들며 잘 학습하는 양상을 보였습니다</a:t>
+              <a:t>인데 이는 저희 결과와 비교해서 너무 낮은 점수입니다</a:t>
             </a:r>
             <a:r>
               <a:rPr lang="en-US" altLang="ko-KR" dirty="0"/>
@@ -1684,19 +1660,35 @@
             </a:pPr>
             <a:r>
               <a:rPr lang="ko-KR" altLang="en-US" dirty="0"/>
-              <a:t>약 </a:t>
+              <a:t>이는 해당 점수는 </a:t>
             </a:r>
             <a:r>
               <a:rPr lang="en-US" altLang="ko-KR" dirty="0"/>
-              <a:t>2500, </a:t>
+              <a:t>CNN/daily mail</a:t>
             </a:r>
             <a:r>
               <a:rPr lang="ko-KR" altLang="en-US" dirty="0"/>
-              <a:t>약</a:t>
+              <a:t>이라는 데이터를 기준으로 성능을 평가한 것인데</a:t>
             </a:r>
             <a:r>
               <a:rPr lang="en-US" altLang="ko-KR" dirty="0"/>
-              <a:t>500</a:t>
+              <a:t>, </a:t>
+            </a:r>
+            <a:r>
+              <a:rPr lang="ko-KR" altLang="en-US" dirty="0"/>
+              <a:t>저희 데이터와 비교해서 대략 </a:t>
+            </a:r>
+            <a:r>
+              <a:rPr lang="en-US" altLang="ko-KR" dirty="0"/>
+              <a:t>5</a:t>
+            </a:r>
+            <a:r>
+              <a:rPr lang="ko-KR" altLang="en-US" dirty="0"/>
+              <a:t>배의 길이를 가지고 있습니다</a:t>
+            </a:r>
+            <a:r>
+              <a:rPr lang="en-US" altLang="ko-KR" dirty="0"/>
+              <a:t>. </a:t>
             </a:r>
           </a:p>
         </p:txBody>
@@ -1801,47 +1793,39 @@
             </a:pPr>
             <a:r>
               <a:rPr lang="ko-KR" altLang="en-US" dirty="0"/>
-              <a:t>파라미터는 다음과 같이 설정한 경우 </a:t>
+              <a:t>이렇게 데이터의 길이의 차이와</a:t>
             </a:r>
             <a:r>
               <a:rPr lang="en-US" altLang="ko-KR" dirty="0"/>
-              <a:t>rouge</a:t>
+              <a:t>, </a:t>
             </a:r>
             <a:r>
               <a:rPr lang="ko-KR" altLang="en-US" dirty="0"/>
-              <a:t>점수가 가장 높게 나왔으며 </a:t>
-            </a:r>
-            <a:r>
-              <a:rPr lang="ko-KR" altLang="en-US" dirty="0" err="1"/>
-              <a:t>에폭이</a:t>
+              <a:t>또한 대본 내에서 화자의 발화 길이가 짧은 경우 높은 </a:t>
+            </a:r>
+            <a:r>
+              <a:rPr lang="en-US" altLang="ko-KR" dirty="0" err="1"/>
+              <a:t>blanc</a:t>
             </a:r>
             <a:r>
               <a:rPr lang="ko-KR" altLang="en-US" dirty="0"/>
-              <a:t> 지날수록 </a:t>
+              <a:t>값을 획득하는 것을 확인하였는데</a:t>
             </a:r>
             <a:r>
               <a:rPr lang="en-US" altLang="ko-KR" dirty="0"/>
-              <a:t>training data</a:t>
+              <a:t>, </a:t>
             </a:r>
             <a:r>
               <a:rPr lang="ko-KR" altLang="en-US" dirty="0"/>
-              <a:t>와 </a:t>
-            </a:r>
-            <a:r>
-              <a:rPr lang="en-US" altLang="ko-KR" dirty="0"/>
-              <a:t>validation data</a:t>
+              <a:t>이로 인해서 점수의 평균 값이 </a:t>
+            </a:r>
+            <a:r>
+              <a:rPr lang="ko-KR" altLang="en-US"/>
+              <a:t>많이 오른 것으로 </a:t>
             </a:r>
             <a:r>
               <a:rPr lang="ko-KR" altLang="en-US" dirty="0"/>
-              <a:t>에 대해서 </a:t>
-            </a:r>
-            <a:r>
-              <a:rPr lang="en-US" altLang="ko-KR" dirty="0"/>
-              <a:t>loss</a:t>
-            </a:r>
-            <a:r>
-              <a:rPr lang="ko-KR" altLang="en-US" dirty="0"/>
-              <a:t>가 줄어들며 잘 학습하는 양상을 보였습니다</a:t>
+              <a:t>생각됩니다</a:t>
             </a:r>
             <a:r>
               <a:rPr lang="en-US" altLang="ko-KR" dirty="0"/>
@@ -1950,7 +1934,7 @@
             </a:pPr>
             <a:r>
               <a:rPr lang="ko-KR" altLang="en-US" dirty="0"/>
-              <a:t>이번 주 발표에는 전체 요약 및 화자 별 수행 및 평가를 진행하였습니다</a:t>
+              <a:t>이번 주 발표는 화자 별 요약 평가 입니다</a:t>
             </a:r>
             <a:r>
               <a:rPr lang="en-US" altLang="ko-KR" dirty="0"/>
@@ -2059,7 +2043,23 @@
             </a:pPr>
             <a:r>
               <a:rPr lang="ko-KR" altLang="en-US" dirty="0"/>
-              <a:t>해당 흐름도 대로 요약을 생성하고 성능을 평가하였습니다</a:t>
+              <a:t>지난주 문제점의 경우 요약 품질 평가 점수에 대한 기준치가 필요하다고 하셨고</a:t>
+            </a:r>
+            <a:r>
+              <a:rPr lang="en-US" altLang="ko-KR" dirty="0"/>
+              <a:t>, </a:t>
+            </a:r>
+            <a:r>
+              <a:rPr lang="ko-KR" altLang="en-US" dirty="0"/>
+              <a:t>도메인 별 </a:t>
+            </a:r>
+            <a:r>
+              <a:rPr lang="en-US" altLang="ko-KR" dirty="0"/>
+              <a:t>3</a:t>
+            </a:r>
+            <a:r>
+              <a:rPr lang="ko-KR" altLang="en-US" dirty="0"/>
+              <a:t>개의 평균 점수는 대표성이 부족하다고 하셨습니다</a:t>
             </a:r>
             <a:r>
               <a:rPr lang="en-US" altLang="ko-KR" dirty="0"/>
@@ -2168,63 +2168,31 @@
             </a:pPr>
             <a:r>
               <a:rPr lang="ko-KR" altLang="en-US" dirty="0"/>
-              <a:t>사용할 데이터는 방송 콘텐츠의 대본과 해당 내용에 대한 요약문으로</a:t>
+              <a:t>해당 표는 </a:t>
             </a:r>
             <a:r>
               <a:rPr lang="en-US" altLang="ko-KR" dirty="0"/>
-              <a:t>, </a:t>
+              <a:t>2020</a:t>
             </a:r>
             <a:r>
               <a:rPr lang="ko-KR" altLang="en-US" dirty="0"/>
-              <a:t>가족</a:t>
+              <a:t>년 </a:t>
             </a:r>
             <a:r>
               <a:rPr lang="en-US" altLang="ko-KR" dirty="0"/>
-              <a:t>, </a:t>
+              <a:t>submit</a:t>
             </a:r>
             <a:r>
               <a:rPr lang="ko-KR" altLang="en-US" dirty="0"/>
-              <a:t>드라마</a:t>
-            </a:r>
-            <a:r>
-              <a:rPr lang="en-US" altLang="ko-KR" dirty="0"/>
-              <a:t>, </a:t>
+              <a:t>된 </a:t>
+            </a:r>
+            <a:r>
+              <a:rPr lang="en-US" altLang="ko-KR" dirty="0" err="1"/>
+              <a:t>summeval</a:t>
             </a:r>
             <a:r>
               <a:rPr lang="ko-KR" altLang="en-US" dirty="0"/>
-              <a:t>역사극</a:t>
-            </a:r>
-            <a:r>
-              <a:rPr lang="en-US" altLang="ko-KR" dirty="0"/>
-              <a:t>, </a:t>
-            </a:r>
-            <a:r>
-              <a:rPr lang="ko-KR" altLang="en-US" dirty="0"/>
-              <a:t>시사</a:t>
-            </a:r>
-            <a:r>
-              <a:rPr lang="en-US" altLang="ko-KR" dirty="0"/>
-              <a:t>, </a:t>
-            </a:r>
-            <a:r>
-              <a:rPr lang="ko-KR" altLang="en-US" dirty="0"/>
-              <a:t>교양</a:t>
-            </a:r>
-            <a:r>
-              <a:rPr lang="en-US" altLang="ko-KR" dirty="0"/>
-              <a:t>, </a:t>
-            </a:r>
-            <a:r>
-              <a:rPr lang="ko-KR" altLang="en-US" dirty="0"/>
-              <a:t>예능 </a:t>
-            </a:r>
-            <a:r>
-              <a:rPr lang="en-US" altLang="ko-KR" dirty="0"/>
-              <a:t>6</a:t>
-            </a:r>
-            <a:r>
-              <a:rPr lang="ko-KR" altLang="en-US" dirty="0"/>
-              <a:t>가지로 분류되어 있습니다</a:t>
+              <a:t>이라는 논문에서 가져왔습니다</a:t>
             </a:r>
             <a:r>
               <a:rPr lang="en-US" altLang="ko-KR" dirty="0"/>
@@ -2232,7 +2200,7 @@
             </a:r>
             <a:r>
               <a:rPr lang="ko-KR" altLang="en-US" dirty="0"/>
-              <a:t>저희는 해당 분류 별로 요약에 대한 평가를 진행하고 비교할 예정입니다</a:t>
+              <a:t>해당 논문은 여러 요약 모델에 대한 통일된 기준으로 여러가지 지표에 대한 통일된 성능 평가를 하였습니다</a:t>
             </a:r>
             <a:r>
               <a:rPr lang="en-US" altLang="ko-KR" dirty="0"/>
@@ -2240,9 +2208,44 @@
             </a:r>
             <a:r>
               <a:rPr lang="ko-KR" altLang="en-US" dirty="0"/>
-              <a:t> </a:t>
-            </a:r>
-            <a:endParaRPr lang="en-US" altLang="ko-KR" dirty="0"/>
+              <a:t>기존 요약 모델의 경우 </a:t>
+            </a:r>
+            <a:r>
+              <a:rPr lang="en-US" altLang="ko-KR" dirty="0"/>
+              <a:t>meteor</a:t>
+            </a:r>
+            <a:r>
+              <a:rPr lang="ko-KR" altLang="en-US" dirty="0"/>
+              <a:t>값이 가장 높은 모델의 경우 </a:t>
+            </a:r>
+            <a:r>
+              <a:rPr lang="en-US" altLang="ko-KR" dirty="0"/>
+              <a:t>0.2395</a:t>
+            </a:r>
+            <a:r>
+              <a:rPr lang="ko-KR" altLang="en-US" dirty="0"/>
+              <a:t>이고 저번에 측정한 화자 별 요약의 </a:t>
+            </a:r>
+            <a:r>
+              <a:rPr lang="en-US" altLang="ko-KR" dirty="0"/>
+              <a:t>meteor</a:t>
+            </a:r>
+            <a:r>
+              <a:rPr lang="ko-KR" altLang="en-US" dirty="0"/>
+              <a:t>값은 </a:t>
+            </a:r>
+            <a:r>
+              <a:rPr lang="en-US" altLang="ko-KR" dirty="0"/>
+              <a:t>0.265</a:t>
+            </a:r>
+            <a:r>
+              <a:rPr lang="ko-KR" altLang="en-US" dirty="0"/>
+              <a:t>정도 입니다</a:t>
+            </a:r>
+            <a:r>
+              <a:rPr lang="en-US" altLang="ko-KR" dirty="0"/>
+              <a:t>. </a:t>
+            </a:r>
           </a:p>
         </p:txBody>
       </p:sp>
@@ -2346,23 +2349,103 @@
             </a:pPr>
             <a:r>
               <a:rPr lang="ko-KR" altLang="en-US" dirty="0"/>
-              <a:t>한국어를 사용하여 대본을 요약을 생성하기 위해 </a:t>
+              <a:t>다음은 점수의 대표성 문제에 대한 해결 방안입니다</a:t>
             </a:r>
             <a:r>
               <a:rPr lang="en-US" altLang="ko-KR" dirty="0"/>
-              <a:t>ko</a:t>
+              <a:t>. </a:t>
             </a:r>
             <a:r>
               <a:rPr lang="ko-KR" altLang="en-US" dirty="0"/>
-              <a:t> </a:t>
+              <a:t>해당 문제를 해결하기 위해서 여러가지의 요약에 대한 점수를 측정해야 합니다</a:t>
             </a:r>
             <a:r>
               <a:rPr lang="en-US" altLang="ko-KR" dirty="0"/>
-              <a:t>gpt-2</a:t>
+              <a:t>. </a:t>
             </a:r>
             <a:r>
               <a:rPr lang="ko-KR" altLang="en-US" dirty="0"/>
-              <a:t>모델을 사용하였습니다</a:t>
+              <a:t>하지만 기존 많이 쓰이는 </a:t>
+            </a:r>
+            <a:r>
+              <a:rPr lang="en-US" altLang="ko-KR" dirty="0"/>
+              <a:t>rouge</a:t>
+            </a:r>
+            <a:r>
+              <a:rPr lang="ko-KR" altLang="en-US" dirty="0"/>
+              <a:t>나 </a:t>
+            </a:r>
+            <a:r>
+              <a:rPr lang="en-US" altLang="ko-KR" dirty="0" err="1"/>
+              <a:t>metoer</a:t>
+            </a:r>
+            <a:r>
+              <a:rPr lang="ko-KR" altLang="en-US" dirty="0"/>
+              <a:t>등의 지표는 요약을 평가하기 위해 사람이 작성한 참조 요약문이 필요한데</a:t>
+            </a:r>
+            <a:r>
+              <a:rPr lang="en-US" altLang="ko-KR" dirty="0"/>
+              <a:t>, </a:t>
+            </a:r>
+            <a:r>
+              <a:rPr lang="ko-KR" altLang="en-US" dirty="0"/>
+              <a:t>이 지표로 요약의 점수를 측정하기 위해서 직접 참조 요약문을 만들어야 하는 문제가 있습니다</a:t>
+            </a:r>
+            <a:r>
+              <a:rPr lang="en-US" altLang="ko-KR" dirty="0"/>
+              <a:t>. </a:t>
+            </a:r>
+            <a:r>
+              <a:rPr lang="ko-KR" altLang="en-US" dirty="0"/>
+              <a:t>이는 시간적</a:t>
+            </a:r>
+            <a:r>
+              <a:rPr lang="en-US" altLang="ko-KR" dirty="0"/>
+              <a:t>, </a:t>
+            </a:r>
+            <a:r>
+              <a:rPr lang="ko-KR" altLang="en-US" dirty="0"/>
+              <a:t>비용적 한계가 있기에</a:t>
+            </a:r>
+            <a:r>
+              <a:rPr lang="en-US" altLang="ko-KR" dirty="0"/>
+              <a:t>, </a:t>
+            </a:r>
+            <a:r>
+              <a:rPr lang="ko-KR" altLang="en-US" dirty="0"/>
+              <a:t>참조 요약을 사용하지 않는 평가 지표를 사용하였습니다</a:t>
+            </a:r>
+            <a:r>
+              <a:rPr lang="en-US" altLang="ko-KR" dirty="0"/>
+              <a:t>. </a:t>
+            </a:r>
+            <a:r>
+              <a:rPr lang="ko-KR" altLang="en-US" dirty="0"/>
+              <a:t>이 경우</a:t>
+            </a:r>
+            <a:r>
+              <a:rPr lang="en-US" altLang="ko-KR" dirty="0"/>
+              <a:t>, </a:t>
+            </a:r>
+            <a:r>
+              <a:rPr lang="ko-KR" altLang="en-US" dirty="0"/>
+              <a:t>시간적</a:t>
+            </a:r>
+            <a:r>
+              <a:rPr lang="en-US" altLang="ko-KR" dirty="0"/>
+              <a:t>, </a:t>
+            </a:r>
+            <a:r>
+              <a:rPr lang="ko-KR" altLang="en-US" dirty="0"/>
+              <a:t>비용적으로 자유롭다는 장점이 있지만</a:t>
+            </a:r>
+            <a:r>
+              <a:rPr lang="en-US" altLang="ko-KR" dirty="0"/>
+              <a:t>, </a:t>
+            </a:r>
+            <a:r>
+              <a:rPr lang="ko-KR" altLang="en-US" dirty="0"/>
+              <a:t>평가 지표로 많이 사용되는 지표는 아니라는 단점이 있습니다</a:t>
             </a:r>
             <a:r>
               <a:rPr lang="en-US" altLang="ko-KR" dirty="0"/>
@@ -2452,69 +2535,303 @@
           <a:bodyPr/>
           <a:lstStyle/>
           <a:p>
-            <a:pPr marL="0" marR="0" lvl="0" indent="0" algn="l" defTabSz="914400" rtl="0" eaLnBrk="1" fontAlgn="auto" latinLnBrk="1" hangingPunct="1">
-              <a:lnSpc>
-                <a:spcPct val="100000"/>
-              </a:lnSpc>
-              <a:spcBef>
-                <a:spcPts val="0"/>
-              </a:spcBef>
-              <a:spcAft>
-                <a:spcPts val="0"/>
-              </a:spcAft>
-              <a:buClrTx/>
-              <a:buSzTx/>
-              <a:buFontTx/>
+            <a:pPr algn="l">
+              <a:buFont typeface="+mj-lt"/>
               <a:buNone/>
-              <a:tabLst/>
-              <a:defRPr/>
             </a:pPr>
             <a:r>
-              <a:rPr lang="ko-KR" altLang="en-US" dirty="0"/>
-              <a:t>파라미터는 다음과 같이 설정한 경우 </a:t>
-            </a:r>
-            <a:r>
-              <a:rPr lang="en-US" altLang="ko-KR" dirty="0"/>
-              <a:t>rouge</a:t>
-            </a:r>
-            <a:r>
-              <a:rPr lang="ko-KR" altLang="en-US" dirty="0"/>
-              <a:t>점수가 가장 높게 나왔으며 </a:t>
-            </a:r>
-            <a:r>
-              <a:rPr lang="ko-KR" altLang="en-US" dirty="0" err="1"/>
-              <a:t>에폭이</a:t>
-            </a:r>
-            <a:r>
-              <a:rPr lang="ko-KR" altLang="en-US" dirty="0"/>
-              <a:t> 지날수록 </a:t>
-            </a:r>
-            <a:r>
-              <a:rPr lang="en-US" altLang="ko-KR" dirty="0"/>
-              <a:t>training data</a:t>
-            </a:r>
-            <a:r>
-              <a:rPr lang="ko-KR" altLang="en-US" dirty="0"/>
-              <a:t>와 </a:t>
-            </a:r>
-            <a:r>
-              <a:rPr lang="en-US" altLang="ko-KR" dirty="0"/>
-              <a:t>validation data</a:t>
-            </a:r>
-            <a:r>
-              <a:rPr lang="ko-KR" altLang="en-US" dirty="0"/>
-              <a:t>에 대해서 </a:t>
-            </a:r>
-            <a:r>
-              <a:rPr lang="en-US" altLang="ko-KR" dirty="0"/>
-              <a:t>loss</a:t>
-            </a:r>
-            <a:r>
-              <a:rPr lang="ko-KR" altLang="en-US" dirty="0"/>
-              <a:t>가 줄어들며 잘 학습하는 양상을 보였습니다</a:t>
-            </a:r>
-            <a:r>
-              <a:rPr lang="en-US" altLang="ko-KR" dirty="0"/>
+              <a:rPr lang="ko-KR" altLang="en-US" b="0" i="0" dirty="0">
+                <a:solidFill>
+                  <a:srgbClr val="374151"/>
+                </a:solidFill>
+                <a:effectLst/>
+                <a:latin typeface="Söhne"/>
+              </a:rPr>
+              <a:t>평가 지표로 사용할 </a:t>
+            </a:r>
+            <a:r>
+              <a:rPr lang="en-US" altLang="ko-KR" b="0" i="0" dirty="0" err="1">
+                <a:solidFill>
+                  <a:srgbClr val="374151"/>
+                </a:solidFill>
+                <a:effectLst/>
+                <a:latin typeface="Söhne"/>
+              </a:rPr>
+              <a:t>blanc</a:t>
+            </a:r>
+            <a:r>
+              <a:rPr lang="ko-KR" altLang="en-US" b="0" i="0" dirty="0">
+                <a:solidFill>
+                  <a:srgbClr val="374151"/>
+                </a:solidFill>
+                <a:effectLst/>
+                <a:latin typeface="Söhne"/>
+              </a:rPr>
+              <a:t>의 경우 </a:t>
+            </a:r>
+            <a:r>
+              <a:rPr lang="en-US" altLang="ko-KR" b="0" i="0" dirty="0">
+                <a:solidFill>
+                  <a:srgbClr val="374151"/>
+                </a:solidFill>
+                <a:effectLst/>
+                <a:latin typeface="Söhne"/>
+              </a:rPr>
+              <a:t>masked token task</a:t>
+            </a:r>
+            <a:r>
+              <a:rPr lang="ko-KR" altLang="en-US" b="0" i="0" dirty="0">
+                <a:solidFill>
+                  <a:srgbClr val="374151"/>
+                </a:solidFill>
+                <a:effectLst/>
+                <a:latin typeface="Söhne"/>
+              </a:rPr>
+              <a:t>라는 방법을 사용하여 요약문의 성능을 측정합니다</a:t>
+            </a:r>
+            <a:r>
+              <a:rPr lang="en-US" altLang="ko-KR" b="0" i="0" dirty="0">
+                <a:solidFill>
+                  <a:srgbClr val="374151"/>
+                </a:solidFill>
+                <a:effectLst/>
+                <a:latin typeface="Söhne"/>
+              </a:rPr>
+              <a:t>. </a:t>
+            </a:r>
+          </a:p>
+          <a:p>
+            <a:pPr algn="l">
+              <a:buFont typeface="+mj-lt"/>
+              <a:buAutoNum type="arabicPeriod"/>
+            </a:pPr>
+            <a:r>
+              <a:rPr lang="ko-KR" altLang="en-US" b="0" i="0" dirty="0">
+                <a:solidFill>
+                  <a:srgbClr val="374151"/>
+                </a:solidFill>
+                <a:effectLst/>
+                <a:latin typeface="Söhne"/>
+              </a:rPr>
+              <a:t>먼저</a:t>
+            </a:r>
+            <a:r>
+              <a:rPr lang="en-US" altLang="ko-KR" b="0" i="0" dirty="0">
+                <a:solidFill>
+                  <a:srgbClr val="374151"/>
+                </a:solidFill>
+                <a:effectLst/>
+                <a:latin typeface="Söhne"/>
+              </a:rPr>
+              <a:t>, </a:t>
+            </a:r>
+            <a:r>
+              <a:rPr lang="ko-KR" altLang="en-US" b="0" i="0" dirty="0">
+                <a:solidFill>
+                  <a:srgbClr val="374151"/>
+                </a:solidFill>
+                <a:effectLst/>
+                <a:latin typeface="Söhne"/>
+              </a:rPr>
+              <a:t>데이터셋의 일부 토큰</a:t>
+            </a:r>
+            <a:r>
+              <a:rPr lang="en-US" altLang="ko-KR" b="0" i="0" dirty="0">
+                <a:solidFill>
+                  <a:srgbClr val="374151"/>
+                </a:solidFill>
+                <a:effectLst/>
+                <a:latin typeface="Söhne"/>
+              </a:rPr>
+              <a:t>(</a:t>
+            </a:r>
+            <a:r>
+              <a:rPr lang="ko-KR" altLang="en-US" b="0" i="0" dirty="0">
+                <a:solidFill>
+                  <a:srgbClr val="374151"/>
+                </a:solidFill>
+                <a:effectLst/>
+                <a:latin typeface="Söhne"/>
+              </a:rPr>
+              <a:t>단어나 단어의 부분</a:t>
+            </a:r>
+            <a:r>
+              <a:rPr lang="en-US" altLang="ko-KR" b="0" i="0" dirty="0">
+                <a:solidFill>
+                  <a:srgbClr val="374151"/>
+                </a:solidFill>
+                <a:effectLst/>
+                <a:latin typeface="Söhne"/>
+              </a:rPr>
+              <a:t>)</a:t>
+            </a:r>
+            <a:r>
+              <a:rPr lang="ko-KR" altLang="en-US" b="0" i="0" dirty="0">
+                <a:solidFill>
+                  <a:srgbClr val="374151"/>
+                </a:solidFill>
+                <a:effectLst/>
+                <a:latin typeface="Söhne"/>
+              </a:rPr>
+              <a:t>을 </a:t>
+            </a:r>
+            <a:r>
+              <a:rPr lang="en-US" altLang="ko-KR" b="0" i="0" dirty="0">
+                <a:solidFill>
+                  <a:srgbClr val="374151"/>
+                </a:solidFill>
+                <a:effectLst/>
+                <a:latin typeface="Söhne"/>
+              </a:rPr>
+              <a:t>"</a:t>
+            </a:r>
+            <a:r>
+              <a:rPr lang="ko-KR" altLang="en-US" b="0" i="0" dirty="0">
+                <a:solidFill>
+                  <a:srgbClr val="374151"/>
+                </a:solidFill>
+                <a:effectLst/>
+                <a:latin typeface="Söhne"/>
+              </a:rPr>
+              <a:t>마스크</a:t>
+            </a:r>
+            <a:r>
+              <a:rPr lang="en-US" altLang="ko-KR" b="0" i="0" dirty="0">
+                <a:solidFill>
+                  <a:srgbClr val="374151"/>
+                </a:solidFill>
+                <a:effectLst/>
+                <a:latin typeface="Söhne"/>
+              </a:rPr>
+              <a:t>"</a:t>
+            </a:r>
+            <a:r>
+              <a:rPr lang="ko-KR" altLang="en-US" b="0" i="0" dirty="0">
+                <a:solidFill>
+                  <a:srgbClr val="374151"/>
+                </a:solidFill>
+                <a:effectLst/>
+                <a:latin typeface="Söhne"/>
+              </a:rPr>
+              <a:t>합니다</a:t>
+            </a:r>
+            <a:r>
+              <a:rPr lang="en-US" altLang="ko-KR" b="0" i="0" dirty="0">
+                <a:solidFill>
+                  <a:srgbClr val="374151"/>
+                </a:solidFill>
+                <a:effectLst/>
+                <a:latin typeface="Söhne"/>
+              </a:rPr>
+              <a:t>. </a:t>
+            </a:r>
+          </a:p>
+          <a:p>
+            <a:pPr algn="l">
+              <a:buFont typeface="+mj-lt"/>
+              <a:buAutoNum type="arabicPeriod"/>
+            </a:pPr>
+            <a:r>
+              <a:rPr lang="ko-KR" altLang="en-US" b="0" i="0" dirty="0">
+                <a:solidFill>
+                  <a:srgbClr val="374151"/>
+                </a:solidFill>
+                <a:effectLst/>
+                <a:latin typeface="Söhne"/>
+              </a:rPr>
+              <a:t>그 다음</a:t>
+            </a:r>
+            <a:r>
+              <a:rPr lang="en-US" altLang="ko-KR" b="0" i="0" dirty="0">
+                <a:solidFill>
+                  <a:srgbClr val="374151"/>
+                </a:solidFill>
+                <a:effectLst/>
+                <a:latin typeface="Söhne"/>
+              </a:rPr>
+              <a:t>, </a:t>
+            </a:r>
+            <a:r>
+              <a:rPr lang="ko-KR" altLang="en-US" b="0" i="0" dirty="0">
+                <a:solidFill>
+                  <a:srgbClr val="374151"/>
+                </a:solidFill>
+                <a:effectLst/>
+                <a:latin typeface="Söhne"/>
+              </a:rPr>
+              <a:t>모델은 </a:t>
+            </a:r>
+            <a:r>
+              <a:rPr lang="ko-KR" altLang="en-US" b="0" i="0" dirty="0" err="1">
+                <a:solidFill>
+                  <a:srgbClr val="374151"/>
+                </a:solidFill>
+                <a:effectLst/>
+                <a:latin typeface="Söhne"/>
+              </a:rPr>
+              <a:t>마스크된</a:t>
+            </a:r>
+            <a:r>
+              <a:rPr lang="ko-KR" altLang="en-US" b="0" i="0" dirty="0">
+                <a:solidFill>
+                  <a:srgbClr val="374151"/>
+                </a:solidFill>
+                <a:effectLst/>
+                <a:latin typeface="Söhne"/>
+              </a:rPr>
+              <a:t> 토큰을 원래의 토큰으로 예측하려고 합니다</a:t>
+            </a:r>
+            <a:endParaRPr lang="en-US" altLang="ko-KR" b="0" i="0" dirty="0">
+              <a:solidFill>
+                <a:srgbClr val="374151"/>
+              </a:solidFill>
+              <a:effectLst/>
+              <a:latin typeface="Söhne"/>
+            </a:endParaRPr>
+          </a:p>
+          <a:p>
+            <a:pPr algn="l">
+              <a:buFont typeface="+mj-lt"/>
+              <a:buAutoNum type="arabicPeriod"/>
+            </a:pPr>
+            <a:r>
+              <a:rPr lang="ko-KR" altLang="en-US" b="0" i="0" dirty="0">
+                <a:solidFill>
+                  <a:srgbClr val="374151"/>
+                </a:solidFill>
+                <a:effectLst/>
+                <a:latin typeface="Söhne"/>
+              </a:rPr>
+              <a:t>해당 작업의 </a:t>
+            </a:r>
+            <a:r>
+              <a:rPr lang="ko-KR" altLang="en-US" b="0" i="0" dirty="0" err="1">
+                <a:solidFill>
+                  <a:srgbClr val="374151"/>
+                </a:solidFill>
+                <a:effectLst/>
+                <a:latin typeface="Söhne"/>
+              </a:rPr>
+              <a:t>정답률을</a:t>
+            </a:r>
+            <a:r>
+              <a:rPr lang="ko-KR" altLang="en-US" b="0" i="0" dirty="0">
+                <a:solidFill>
+                  <a:srgbClr val="374151"/>
+                </a:solidFill>
+                <a:effectLst/>
+                <a:latin typeface="Söhne"/>
+              </a:rPr>
+              <a:t> 기준으로 점수를 평가합니다</a:t>
+            </a:r>
+            <a:r>
+              <a:rPr lang="en-US" altLang="ko-KR" b="0" i="0" dirty="0">
+                <a:solidFill>
+                  <a:srgbClr val="374151"/>
+                </a:solidFill>
+                <a:effectLst/>
+                <a:latin typeface="Söhne"/>
+              </a:rPr>
               <a:t>. </a:t>
             </a:r>
           </a:p>
@@ -2619,48 +2936,52 @@
               <a:defRPr/>
             </a:pPr>
             <a:r>
+              <a:rPr lang="en-US" altLang="ko-KR" dirty="0"/>
+              <a:t>Blanc</a:t>
+            </a:r>
+            <a:r>
               <a:rPr lang="ko-KR" altLang="en-US" dirty="0"/>
-              <a:t>파라미터는 다음과 같이 설정한 경우 </a:t>
+              <a:t>의 경우 원문에 대해서 </a:t>
             </a:r>
             <a:r>
               <a:rPr lang="en-US" altLang="ko-KR" dirty="0"/>
-              <a:t>rouge</a:t>
+              <a:t>masked token task</a:t>
             </a:r>
             <a:r>
               <a:rPr lang="ko-KR" altLang="en-US" dirty="0"/>
-              <a:t>점수가 가장 높게 나왔으며 </a:t>
+              <a:t>를 진행하고 </a:t>
+            </a:r>
+            <a:r>
+              <a:rPr lang="en-US" altLang="ko-KR" dirty="0"/>
+              <a:t>, </a:t>
+            </a:r>
+            <a:r>
+              <a:rPr lang="ko-KR" altLang="en-US" dirty="0"/>
+              <a:t>두번째로는 모델이 요약문을 참조해가면 </a:t>
+            </a:r>
+            <a:r>
+              <a:rPr lang="en-US" altLang="ko-KR" dirty="0"/>
+              <a:t>masked token task</a:t>
+            </a:r>
+            <a:r>
+              <a:rPr lang="ko-KR" altLang="en-US" dirty="0"/>
+              <a:t>를 진행하는데</a:t>
+            </a:r>
+            <a:r>
+              <a:rPr lang="en-US" altLang="ko-KR" dirty="0"/>
+              <a:t>, </a:t>
+            </a:r>
+            <a:r>
+              <a:rPr lang="ko-KR" altLang="en-US" dirty="0"/>
+              <a:t>이때 점수의 </a:t>
             </a:r>
             <a:r>
               <a:rPr lang="ko-KR" altLang="en-US" dirty="0" err="1"/>
-              <a:t>에폭이</a:t>
+              <a:t>향샹률을</a:t>
             </a:r>
             <a:r>
               <a:rPr lang="ko-KR" altLang="en-US" dirty="0"/>
-              <a:t> 지날수록 </a:t>
-            </a:r>
-            <a:r>
-              <a:rPr lang="en-US" altLang="ko-KR" dirty="0"/>
-              <a:t>training data</a:t>
-            </a:r>
-            <a:r>
-              <a:rPr lang="ko-KR" altLang="en-US" dirty="0"/>
-              <a:t>와 </a:t>
-            </a:r>
-            <a:r>
-              <a:rPr lang="en-US" altLang="ko-KR" dirty="0"/>
-              <a:t>validation data</a:t>
-            </a:r>
-            <a:r>
-              <a:rPr lang="ko-KR" altLang="en-US" dirty="0"/>
-              <a:t>에 대해서 </a:t>
-            </a:r>
-            <a:r>
-              <a:rPr lang="en-US" altLang="ko-KR" dirty="0"/>
-              <a:t>loss</a:t>
-            </a:r>
-            <a:r>
-              <a:rPr lang="ko-KR" altLang="en-US" dirty="0"/>
-              <a:t>가 줄어들며 잘 학습하는 양상을 보였습니다</a:t>
+              <a:t> 기준으로 요약문의 품질의 평가합니다</a:t>
             </a:r>
             <a:r>
               <a:rPr lang="en-US" altLang="ko-KR" dirty="0"/>
@@ -2769,47 +3090,7 @@
             </a:pPr>
             <a:r>
               <a:rPr lang="ko-KR" altLang="en-US" dirty="0"/>
-              <a:t>파라미터는 다음과 같이 설정한 경우 </a:t>
-            </a:r>
-            <a:r>
-              <a:rPr lang="en-US" altLang="ko-KR" dirty="0"/>
-              <a:t>rouge</a:t>
-            </a:r>
-            <a:r>
-              <a:rPr lang="ko-KR" altLang="en-US" dirty="0"/>
-              <a:t>점수가 가장 높게 나왔으며 </a:t>
-            </a:r>
-            <a:r>
-              <a:rPr lang="ko-KR" altLang="en-US" dirty="0" err="1"/>
-              <a:t>에폭이</a:t>
-            </a:r>
-            <a:r>
-              <a:rPr lang="ko-KR" altLang="en-US" dirty="0"/>
-              <a:t> 지날수록 </a:t>
-            </a:r>
-            <a:r>
-              <a:rPr lang="en-US" altLang="ko-KR" dirty="0"/>
-              <a:t>training data</a:t>
-            </a:r>
-            <a:r>
-              <a:rPr lang="ko-KR" altLang="en-US" dirty="0"/>
-              <a:t>와 </a:t>
-            </a:r>
-            <a:r>
-              <a:rPr lang="en-US" altLang="ko-KR" dirty="0"/>
-              <a:t>validation data</a:t>
-            </a:r>
-            <a:r>
-              <a:rPr lang="ko-KR" altLang="en-US" dirty="0"/>
-              <a:t>에 대해서 </a:t>
-            </a:r>
-            <a:r>
-              <a:rPr lang="en-US" altLang="ko-KR" dirty="0"/>
-              <a:t>loss</a:t>
-            </a:r>
-            <a:r>
-              <a:rPr lang="ko-KR" altLang="en-US" dirty="0"/>
-              <a:t>가 줄어들며 잘 학습하는 양상을 보였습니다</a:t>
+              <a:t>저희는 다음과같이 화자 별 요약이 각 화자의 발언을 얼마나 잘 요약하는지 평가를 진행하였습니다</a:t>
             </a:r>
             <a:r>
               <a:rPr lang="en-US" altLang="ko-KR" dirty="0"/>
@@ -2898,6 +3179,66 @@
         <p:txBody>
           <a:bodyPr/>
           <a:lstStyle/>
+          <a:p>
+            <a:pPr marL="0" marR="0" lvl="0" indent="0" algn="l" defTabSz="914400" rtl="0" eaLnBrk="1" fontAlgn="auto" latinLnBrk="1" hangingPunct="1">
+              <a:lnSpc>
+                <a:spcPct val="100000"/>
+              </a:lnSpc>
+              <a:spcBef>
+                <a:spcPts val="0"/>
+              </a:spcBef>
+              <a:spcAft>
+                <a:spcPts val="0"/>
+              </a:spcAft>
+              <a:buClrTx/>
+              <a:buSzTx/>
+              <a:buFontTx/>
+              <a:buNone/>
+              <a:tabLst/>
+              <a:defRPr/>
+            </a:pPr>
+            <a:r>
+              <a:rPr lang="ko-KR" altLang="en-US" dirty="0"/>
+              <a:t>각 도메인에 대해서 각각</a:t>
+            </a:r>
+            <a:r>
+              <a:rPr lang="en-US" altLang="ko-KR" dirty="0"/>
+              <a:t>100</a:t>
+            </a:r>
+            <a:r>
+              <a:rPr lang="ko-KR" altLang="en-US" dirty="0"/>
+              <a:t>개의 데이터에 대해서 평가를 진행하였는데 결과는 다음과 같았습니다</a:t>
+            </a:r>
+            <a:r>
+              <a:rPr lang="en-US" altLang="ko-KR" dirty="0"/>
+              <a:t>. </a:t>
+            </a:r>
+            <a:r>
+              <a:rPr lang="ko-KR" altLang="en-US" dirty="0"/>
+              <a:t> </a:t>
+            </a:r>
+            <a:endParaRPr lang="en-US" altLang="ko-KR" dirty="0"/>
+          </a:p>
+          <a:p>
+            <a:pPr marL="0" marR="0" lvl="0" indent="0" algn="l" defTabSz="914400" rtl="0" eaLnBrk="1" fontAlgn="auto" latinLnBrk="1" hangingPunct="1">
+              <a:lnSpc>
+                <a:spcPct val="100000"/>
+              </a:lnSpc>
+              <a:spcBef>
+                <a:spcPts val="0"/>
+              </a:spcBef>
+              <a:spcAft>
+                <a:spcPts val="0"/>
+              </a:spcAft>
+              <a:buClrTx/>
+              <a:buSzTx/>
+              <a:buFontTx/>
+              <a:buNone/>
+              <a:tabLst/>
+              <a:defRPr/>
+            </a:pPr>
+            <a:endParaRPr lang="en-US" altLang="ko-KR" dirty="0"/>
+          </a:p>
           <a:p>
             <a:pPr marL="0" marR="0" lvl="0" indent="0" algn="l" defTabSz="914400" rtl="0" eaLnBrk="1" fontAlgn="auto" latinLnBrk="1" hangingPunct="1">
               <a:lnSpc>
@@ -3287,7 +3628,7 @@
             <a:fld id="{7C350D00-E9DF-4C32-8EF9-982D014E2409}" type="datetimeFigureOut">
               <a:rPr lang="ko-KR" altLang="en-US" smtClean="0"/>
               <a:pPr/>
-              <a:t>2023-05-28</a:t>
+              <a:t>2023-05-29</a:t>
             </a:fld>
             <a:endParaRPr lang="ko-KR" altLang="en-US"/>
           </a:p>
@@ -3452,7 +3793,7 @@
             <a:fld id="{7C350D00-E9DF-4C32-8EF9-982D014E2409}" type="datetimeFigureOut">
               <a:rPr lang="ko-KR" altLang="en-US" smtClean="0"/>
               <a:pPr/>
-              <a:t>2023-05-28</a:t>
+              <a:t>2023-05-29</a:t>
             </a:fld>
             <a:endParaRPr lang="ko-KR" altLang="en-US"/>
           </a:p>
@@ -3627,7 +3968,7 @@
             <a:fld id="{7C350D00-E9DF-4C32-8EF9-982D014E2409}" type="datetimeFigureOut">
               <a:rPr lang="ko-KR" altLang="en-US" smtClean="0"/>
               <a:pPr/>
-              <a:t>2023-05-28</a:t>
+              <a:t>2023-05-29</a:t>
             </a:fld>
             <a:endParaRPr lang="ko-KR" altLang="en-US"/>
           </a:p>
@@ -3792,7 +4133,7 @@
             <a:fld id="{7C350D00-E9DF-4C32-8EF9-982D014E2409}" type="datetimeFigureOut">
               <a:rPr lang="ko-KR" altLang="en-US" smtClean="0"/>
               <a:pPr/>
-              <a:t>2023-05-28</a:t>
+              <a:t>2023-05-29</a:t>
             </a:fld>
             <a:endParaRPr lang="ko-KR" altLang="en-US"/>
           </a:p>
@@ -4034,7 +4375,7 @@
             <a:fld id="{7C350D00-E9DF-4C32-8EF9-982D014E2409}" type="datetimeFigureOut">
               <a:rPr lang="ko-KR" altLang="en-US" smtClean="0"/>
               <a:pPr/>
-              <a:t>2023-05-28</a:t>
+              <a:t>2023-05-29</a:t>
             </a:fld>
             <a:endParaRPr lang="ko-KR" altLang="en-US"/>
           </a:p>
@@ -4316,7 +4657,7 @@
             <a:fld id="{7C350D00-E9DF-4C32-8EF9-982D014E2409}" type="datetimeFigureOut">
               <a:rPr lang="ko-KR" altLang="en-US" smtClean="0"/>
               <a:pPr/>
-              <a:t>2023-05-28</a:t>
+              <a:t>2023-05-29</a:t>
             </a:fld>
             <a:endParaRPr lang="ko-KR" altLang="en-US"/>
           </a:p>
@@ -4737,7 +5078,7 @@
             <a:fld id="{7C350D00-E9DF-4C32-8EF9-982D014E2409}" type="datetimeFigureOut">
               <a:rPr lang="ko-KR" altLang="en-US" smtClean="0"/>
               <a:pPr/>
-              <a:t>2023-05-28</a:t>
+              <a:t>2023-05-29</a:t>
             </a:fld>
             <a:endParaRPr lang="ko-KR" altLang="en-US"/>
           </a:p>
@@ -4851,7 +5192,7 @@
             <a:fld id="{7C350D00-E9DF-4C32-8EF9-982D014E2409}" type="datetimeFigureOut">
               <a:rPr lang="ko-KR" altLang="en-US" smtClean="0"/>
               <a:pPr/>
-              <a:t>2023-05-28</a:t>
+              <a:t>2023-05-29</a:t>
             </a:fld>
             <a:endParaRPr lang="ko-KR" altLang="en-US"/>
           </a:p>
@@ -4943,7 +5284,7 @@
             <a:fld id="{7C350D00-E9DF-4C32-8EF9-982D014E2409}" type="datetimeFigureOut">
               <a:rPr lang="ko-KR" altLang="en-US" smtClean="0"/>
               <a:pPr/>
-              <a:t>2023-05-28</a:t>
+              <a:t>2023-05-29</a:t>
             </a:fld>
             <a:endParaRPr lang="ko-KR" altLang="en-US"/>
           </a:p>
@@ -5215,7 +5556,7 @@
             <a:fld id="{7C350D00-E9DF-4C32-8EF9-982D014E2409}" type="datetimeFigureOut">
               <a:rPr lang="ko-KR" altLang="en-US" smtClean="0"/>
               <a:pPr/>
-              <a:t>2023-05-28</a:t>
+              <a:t>2023-05-29</a:t>
             </a:fld>
             <a:endParaRPr lang="ko-KR" altLang="en-US"/>
           </a:p>
@@ -5464,7 +5805,7 @@
             <a:fld id="{7C350D00-E9DF-4C32-8EF9-982D014E2409}" type="datetimeFigureOut">
               <a:rPr lang="ko-KR" altLang="en-US" smtClean="0"/>
               <a:pPr/>
-              <a:t>2023-05-28</a:t>
+              <a:t>2023-05-29</a:t>
             </a:fld>
             <a:endParaRPr lang="ko-KR" altLang="en-US"/>
           </a:p>
@@ -5672,7 +6013,7 @@
             <a:fld id="{7C350D00-E9DF-4C32-8EF9-982D014E2409}" type="datetimeFigureOut">
               <a:rPr lang="ko-KR" altLang="en-US" smtClean="0"/>
               <a:pPr/>
-              <a:t>2023-05-28</a:t>
+              <a:t>2023-05-29</a:t>
             </a:fld>
             <a:endParaRPr lang="ko-KR" altLang="en-US"/>
           </a:p>
@@ -6990,6 +7331,196 @@
           </a:p>
         </p:txBody>
       </p:sp>
+      <p:pic>
+        <p:nvPicPr>
+          <p:cNvPr id="16" name="그림 15">
+            <a:extLst>
+              <a:ext uri="{FF2B5EF4-FFF2-40B4-BE49-F238E27FC236}">
+                <a16:creationId xmlns:a16="http://schemas.microsoft.com/office/drawing/2014/main" id="{15E7C2DC-576D-8158-FF53-129F77CEA8FD}"/>
+              </a:ext>
+            </a:extLst>
+          </p:cNvPr>
+          <p:cNvPicPr>
+            <a:picLocks noChangeAspect="1"/>
+          </p:cNvPicPr>
+          <p:nvPr/>
+        </p:nvPicPr>
+        <p:blipFill>
+          <a:blip r:embed="rId9"/>
+          <a:stretch>
+            <a:fillRect/>
+          </a:stretch>
+        </p:blipFill>
+        <p:spPr>
+          <a:xfrm>
+            <a:off x="907243" y="2582290"/>
+            <a:ext cx="7588037" cy="3222876"/>
+          </a:xfrm>
+          <a:prstGeom prst="rect">
+            <a:avLst/>
+          </a:prstGeom>
+        </p:spPr>
+      </p:pic>
+      <p:sp>
+        <p:nvSpPr>
+          <p:cNvPr id="17" name="TextBox 16">
+            <a:extLst>
+              <a:ext uri="{FF2B5EF4-FFF2-40B4-BE49-F238E27FC236}">
+                <a16:creationId xmlns:a16="http://schemas.microsoft.com/office/drawing/2014/main" id="{C109884D-47A0-CDF5-080C-FEFCDC2C98D4}"/>
+              </a:ext>
+            </a:extLst>
+          </p:cNvPr>
+          <p:cNvSpPr txBox="1"/>
+          <p:nvPr/>
+        </p:nvSpPr>
+        <p:spPr>
+          <a:xfrm>
+            <a:off x="846218" y="5906276"/>
+            <a:ext cx="6821500" cy="369332"/>
+          </a:xfrm>
+          <a:prstGeom prst="rect">
+            <a:avLst/>
+          </a:prstGeom>
+          <a:noFill/>
+        </p:spPr>
+        <p:txBody>
+          <a:bodyPr wrap="square" rtlCol="0">
+            <a:spAutoFit/>
+          </a:bodyPr>
+          <a:lstStyle/>
+          <a:p>
+            <a:r>
+              <a:rPr lang="en-US" altLang="ko-KR" sz="900" dirty="0" err="1">
+                <a:effectLst/>
+                <a:latin typeface="맑은 고딕" panose="020B0503020000020004" pitchFamily="50" charset="-127"/>
+                <a:cs typeface="Times New Roman" panose="02020603050405020304" pitchFamily="18" charset="0"/>
+              </a:rPr>
+              <a:t>Fabbri</a:t>
+            </a:r>
+            <a:r>
+              <a:rPr lang="en-US" altLang="ko-KR" sz="900" dirty="0">
+                <a:effectLst/>
+                <a:latin typeface="맑은 고딕" panose="020B0503020000020004" pitchFamily="50" charset="-127"/>
+                <a:cs typeface="Times New Roman" panose="02020603050405020304" pitchFamily="18" charset="0"/>
+              </a:rPr>
+              <a:t>, A. R., </a:t>
+            </a:r>
+            <a:r>
+              <a:rPr lang="en-US" altLang="ko-KR" sz="900" dirty="0" err="1">
+                <a:effectLst/>
+                <a:latin typeface="맑은 고딕" panose="020B0503020000020004" pitchFamily="50" charset="-127"/>
+                <a:cs typeface="Times New Roman" panose="02020603050405020304" pitchFamily="18" charset="0"/>
+              </a:rPr>
+              <a:t>Kry</a:t>
+            </a:r>
+            <a:r>
+              <a:rPr lang="en-US" altLang="ko-KR" sz="900" dirty="0" err="1">
+                <a:effectLst/>
+                <a:latin typeface="Calibri" panose="020F0502020204030204" pitchFamily="34" charset="0"/>
+                <a:ea typeface="맑은 고딕" panose="020B0503020000020004" pitchFamily="50" charset="-127"/>
+              </a:rPr>
+              <a:t>ś</a:t>
+            </a:r>
+            <a:r>
+              <a:rPr lang="en-US" altLang="ko-KR" sz="900" dirty="0" err="1">
+                <a:effectLst/>
+                <a:latin typeface="맑은 고딕" panose="020B0503020000020004" pitchFamily="50" charset="-127"/>
+                <a:cs typeface="Times New Roman" panose="02020603050405020304" pitchFamily="18" charset="0"/>
+              </a:rPr>
+              <a:t>ci</a:t>
+            </a:r>
+            <a:r>
+              <a:rPr lang="en-US" altLang="ko-KR" sz="900" dirty="0" err="1">
+                <a:effectLst/>
+                <a:latin typeface="Calibri" panose="020F0502020204030204" pitchFamily="34" charset="0"/>
+                <a:ea typeface="맑은 고딕" panose="020B0503020000020004" pitchFamily="50" charset="-127"/>
+              </a:rPr>
+              <a:t>ń</a:t>
+            </a:r>
+            <a:r>
+              <a:rPr lang="en-US" altLang="ko-KR" sz="900" dirty="0" err="1">
+                <a:effectLst/>
+                <a:latin typeface="맑은 고딕" panose="020B0503020000020004" pitchFamily="50" charset="-127"/>
+                <a:cs typeface="Times New Roman" panose="02020603050405020304" pitchFamily="18" charset="0"/>
+              </a:rPr>
+              <a:t>ski</a:t>
+            </a:r>
+            <a:r>
+              <a:rPr lang="en-US" altLang="ko-KR" sz="900" dirty="0">
+                <a:effectLst/>
+                <a:latin typeface="맑은 고딕" panose="020B0503020000020004" pitchFamily="50" charset="-127"/>
+                <a:cs typeface="Times New Roman" panose="02020603050405020304" pitchFamily="18" charset="0"/>
+              </a:rPr>
+              <a:t>, W., McCann, B., Xiong, C., </a:t>
+            </a:r>
+            <a:r>
+              <a:rPr lang="en-US" altLang="ko-KR" sz="900" dirty="0" err="1">
+                <a:effectLst/>
+                <a:latin typeface="맑은 고딕" panose="020B0503020000020004" pitchFamily="50" charset="-127"/>
+                <a:cs typeface="Times New Roman" panose="02020603050405020304" pitchFamily="18" charset="0"/>
+              </a:rPr>
+              <a:t>Socher</a:t>
+            </a:r>
+            <a:r>
+              <a:rPr lang="en-US" altLang="ko-KR" sz="900" dirty="0">
+                <a:effectLst/>
+                <a:latin typeface="맑은 고딕" panose="020B0503020000020004" pitchFamily="50" charset="-127"/>
+                <a:cs typeface="Times New Roman" panose="02020603050405020304" pitchFamily="18" charset="0"/>
+              </a:rPr>
+              <a:t>, R., &amp; </a:t>
+            </a:r>
+            <a:r>
+              <a:rPr lang="en-US" altLang="ko-KR" sz="900" dirty="0" err="1">
+                <a:effectLst/>
+                <a:latin typeface="맑은 고딕" panose="020B0503020000020004" pitchFamily="50" charset="-127"/>
+                <a:cs typeface="Times New Roman" panose="02020603050405020304" pitchFamily="18" charset="0"/>
+              </a:rPr>
+              <a:t>Radev</a:t>
+            </a:r>
+            <a:r>
+              <a:rPr lang="en-US" altLang="ko-KR" sz="900" dirty="0">
+                <a:effectLst/>
+                <a:latin typeface="맑은 고딕" panose="020B0503020000020004" pitchFamily="50" charset="-127"/>
+                <a:cs typeface="Times New Roman" panose="02020603050405020304" pitchFamily="18" charset="0"/>
+              </a:rPr>
+              <a:t>, D. (2020). </a:t>
+            </a:r>
+            <a:r>
+              <a:rPr lang="en-US" altLang="ko-KR" sz="900" dirty="0" err="1">
+                <a:effectLst/>
+                <a:latin typeface="맑은 고딕" panose="020B0503020000020004" pitchFamily="50" charset="-127"/>
+                <a:cs typeface="Times New Roman" panose="02020603050405020304" pitchFamily="18" charset="0"/>
+              </a:rPr>
+              <a:t>SummEval</a:t>
+            </a:r>
+            <a:r>
+              <a:rPr lang="en-US" altLang="ko-KR" sz="900" dirty="0">
+                <a:effectLst/>
+                <a:latin typeface="맑은 고딕" panose="020B0503020000020004" pitchFamily="50" charset="-127"/>
+                <a:cs typeface="Times New Roman" panose="02020603050405020304" pitchFamily="18" charset="0"/>
+              </a:rPr>
+              <a:t>: Re-evaluating Summarization Evaluation. </a:t>
+            </a:r>
+            <a:r>
+              <a:rPr lang="en-US" altLang="ko-KR" sz="900" dirty="0" err="1">
+                <a:effectLst/>
+                <a:latin typeface="맑은 고딕" panose="020B0503020000020004" pitchFamily="50" charset="-127"/>
+                <a:cs typeface="Times New Roman" panose="02020603050405020304" pitchFamily="18" charset="0"/>
+              </a:rPr>
+              <a:t>arXiv</a:t>
+            </a:r>
+            <a:r>
+              <a:rPr lang="en-US" altLang="ko-KR" sz="900" dirty="0">
+                <a:effectLst/>
+                <a:latin typeface="맑은 고딕" panose="020B0503020000020004" pitchFamily="50" charset="-127"/>
+                <a:cs typeface="Times New Roman" panose="02020603050405020304" pitchFamily="18" charset="0"/>
+              </a:rPr>
+              <a:t> preprint arXiv:2007.12626.</a:t>
+            </a:r>
+            <a:endParaRPr lang="ko-KR" altLang="en-US" sz="900" dirty="0"/>
+          </a:p>
+        </p:txBody>
+      </p:sp>
     </p:spTree>
     <p:extLst>
       <p:ext uri="{BB962C8B-B14F-4D97-AF65-F5344CB8AC3E}">
@@ -7266,48 +7797,6 @@
           </p:txBody>
         </p:sp>
       </p:grpSp>
-      <p:sp>
-        <p:nvSpPr>
-          <p:cNvPr id="9" name="TextBox 8"/>
-          <p:cNvSpPr txBox="1"/>
-          <p:nvPr/>
-        </p:nvSpPr>
-        <p:spPr>
-          <a:xfrm>
-            <a:off x="3461133" y="767538"/>
-            <a:ext cx="1017715" cy="430887"/>
-          </a:xfrm>
-          <a:prstGeom prst="rect">
-            <a:avLst/>
-          </a:prstGeom>
-          <a:noFill/>
-        </p:spPr>
-        <p:txBody>
-          <a:bodyPr wrap="none" rtlCol="0">
-            <a:spAutoFit/>
-          </a:bodyPr>
-          <a:lstStyle/>
-          <a:p>
-            <a:r>
-              <a:rPr lang="en-US" altLang="ko-KR" sz="2200" b="1" i="1" dirty="0">
-                <a:solidFill>
-                  <a:srgbClr val="1E5B86"/>
-                </a:solidFill>
-                <a:latin typeface="나눔명조 ExtraBold" pitchFamily="18" charset="-127"/>
-                <a:ea typeface="나눔명조 ExtraBold" pitchFamily="18" charset="-127"/>
-              </a:rPr>
-              <a:t>2. STT</a:t>
-            </a:r>
-            <a:endParaRPr lang="ko-KR" altLang="en-US" sz="2200" b="1" i="1" dirty="0">
-              <a:solidFill>
-                <a:srgbClr val="1E5B86"/>
-              </a:solidFill>
-              <a:latin typeface="나눔명조 ExtraBold" pitchFamily="18" charset="-127"/>
-              <a:ea typeface="나눔명조 ExtraBold" pitchFamily="18" charset="-127"/>
-            </a:endParaRPr>
-          </a:p>
-        </p:txBody>
-      </p:sp>
       <p:sp>
         <p:nvSpPr>
           <p:cNvPr id="11" name="TextBox 10"/>
@@ -7944,6 +8433,88 @@
           </a:p>
         </p:txBody>
       </p:sp>
+      <p:sp>
+        <p:nvSpPr>
+          <p:cNvPr id="4" name="TextBox 3">
+            <a:extLst>
+              <a:ext uri="{FF2B5EF4-FFF2-40B4-BE49-F238E27FC236}">
+                <a16:creationId xmlns:a16="http://schemas.microsoft.com/office/drawing/2014/main" id="{047F1876-BE1E-9CCD-442F-21CA80994549}"/>
+              </a:ext>
+            </a:extLst>
+          </p:cNvPr>
+          <p:cNvSpPr txBox="1"/>
+          <p:nvPr/>
+        </p:nvSpPr>
+        <p:spPr>
+          <a:xfrm>
+            <a:off x="806376" y="2024153"/>
+            <a:ext cx="7783748" cy="1477328"/>
+          </a:xfrm>
+          <a:prstGeom prst="rect">
+            <a:avLst/>
+          </a:prstGeom>
+          <a:noFill/>
+        </p:spPr>
+        <p:txBody>
+          <a:bodyPr wrap="square" rtlCol="0">
+            <a:spAutoFit/>
+          </a:bodyPr>
+          <a:lstStyle/>
+          <a:p>
+            <a:pPr marL="342900" indent="-342900">
+              <a:buAutoNum type="arabicPeriod"/>
+            </a:pPr>
+            <a:r>
+              <a:rPr lang="ko-KR" altLang="en-US" dirty="0"/>
+              <a:t>대본 내에서 대사가 적은 화자의 경우</a:t>
+            </a:r>
+            <a:r>
+              <a:rPr lang="en-US" altLang="ko-KR" dirty="0"/>
+              <a:t>, </a:t>
+            </a:r>
+            <a:r>
+              <a:rPr lang="ko-KR" altLang="en-US" dirty="0"/>
+              <a:t>높은 </a:t>
+            </a:r>
+            <a:r>
+              <a:rPr lang="en-US" altLang="ko-KR" dirty="0" err="1"/>
+              <a:t>blanc</a:t>
+            </a:r>
+            <a:r>
+              <a:rPr lang="ko-KR" altLang="en-US" dirty="0"/>
+              <a:t>값을 획득</a:t>
+            </a:r>
+            <a:r>
+              <a:rPr lang="en-US" altLang="ko-KR" dirty="0"/>
+              <a:t>, </a:t>
+            </a:r>
+            <a:r>
+              <a:rPr lang="ko-KR" altLang="en-US" dirty="0"/>
+              <a:t>점수의 평균 값이 오름</a:t>
+            </a:r>
+            <a:r>
+              <a:rPr lang="en-US" altLang="ko-KR" dirty="0"/>
+              <a:t>. </a:t>
+            </a:r>
+          </a:p>
+          <a:p>
+            <a:pPr marL="342900" indent="-342900">
+              <a:buAutoNum type="arabicPeriod"/>
+            </a:pPr>
+            <a:endParaRPr lang="en-US" altLang="ko-KR" dirty="0"/>
+          </a:p>
+          <a:p>
+            <a:pPr marL="342900" indent="-342900">
+              <a:buAutoNum type="arabicPeriod"/>
+            </a:pPr>
+            <a:r>
+              <a:rPr lang="ko-KR" altLang="en-US" dirty="0"/>
+              <a:t>데이터의 길이가 짧기 때문에 기존 모델과 비교했을 때  보다 높은 점수가 나옴</a:t>
+            </a:r>
+            <a:endParaRPr lang="en-US" altLang="ko-KR" dirty="0"/>
+          </a:p>
+        </p:txBody>
+      </p:sp>
     </p:spTree>
     <p:extLst>
       <p:ext uri="{BB962C8B-B14F-4D97-AF65-F5344CB8AC3E}">
@@ -8706,48 +9277,6 @@
       </p:grpSp>
       <p:sp>
         <p:nvSpPr>
-          <p:cNvPr id="9" name="TextBox 8"/>
-          <p:cNvSpPr txBox="1"/>
-          <p:nvPr/>
-        </p:nvSpPr>
-        <p:spPr>
-          <a:xfrm>
-            <a:off x="3461133" y="767538"/>
-            <a:ext cx="1017715" cy="430887"/>
-          </a:xfrm>
-          <a:prstGeom prst="rect">
-            <a:avLst/>
-          </a:prstGeom>
-          <a:noFill/>
-        </p:spPr>
-        <p:txBody>
-          <a:bodyPr wrap="none" rtlCol="0">
-            <a:spAutoFit/>
-          </a:bodyPr>
-          <a:lstStyle/>
-          <a:p>
-            <a:r>
-              <a:rPr lang="en-US" altLang="ko-KR" sz="2200" b="1" i="1" dirty="0">
-                <a:solidFill>
-                  <a:srgbClr val="1E5B86"/>
-                </a:solidFill>
-                <a:latin typeface="나눔명조 ExtraBold" pitchFamily="18" charset="-127"/>
-                <a:ea typeface="나눔명조 ExtraBold" pitchFamily="18" charset="-127"/>
-              </a:rPr>
-              <a:t>2. STT</a:t>
-            </a:r>
-            <a:endParaRPr lang="ko-KR" altLang="en-US" sz="2200" b="1" i="1" dirty="0">
-              <a:solidFill>
-                <a:srgbClr val="1E5B86"/>
-              </a:solidFill>
-              <a:latin typeface="나눔명조 ExtraBold" pitchFamily="18" charset="-127"/>
-              <a:ea typeface="나눔명조 ExtraBold" pitchFamily="18" charset="-127"/>
-            </a:endParaRPr>
-          </a:p>
-        </p:txBody>
-      </p:sp>
-      <p:sp>
-        <p:nvSpPr>
           <p:cNvPr id="11" name="TextBox 10"/>
           <p:cNvSpPr txBox="1"/>
           <p:nvPr/>
@@ -9172,48 +9701,6 @@
       </p:grpSp>
       <p:sp>
         <p:nvSpPr>
-          <p:cNvPr id="9" name="TextBox 8"/>
-          <p:cNvSpPr txBox="1"/>
-          <p:nvPr/>
-        </p:nvSpPr>
-        <p:spPr>
-          <a:xfrm>
-            <a:off x="3461133" y="767538"/>
-            <a:ext cx="1017715" cy="430887"/>
-          </a:xfrm>
-          <a:prstGeom prst="rect">
-            <a:avLst/>
-          </a:prstGeom>
-          <a:noFill/>
-        </p:spPr>
-        <p:txBody>
-          <a:bodyPr wrap="none" rtlCol="0">
-            <a:spAutoFit/>
-          </a:bodyPr>
-          <a:lstStyle/>
-          <a:p>
-            <a:r>
-              <a:rPr lang="en-US" altLang="ko-KR" sz="2200" b="1" i="1" dirty="0">
-                <a:solidFill>
-                  <a:srgbClr val="1E5B86"/>
-                </a:solidFill>
-                <a:latin typeface="나눔명조 ExtraBold" pitchFamily="18" charset="-127"/>
-                <a:ea typeface="나눔명조 ExtraBold" pitchFamily="18" charset="-127"/>
-              </a:rPr>
-              <a:t>2. STT</a:t>
-            </a:r>
-            <a:endParaRPr lang="ko-KR" altLang="en-US" sz="2200" b="1" i="1" dirty="0">
-              <a:solidFill>
-                <a:srgbClr val="1E5B86"/>
-              </a:solidFill>
-              <a:latin typeface="나눔명조 ExtraBold" pitchFamily="18" charset="-127"/>
-              <a:ea typeface="나눔명조 ExtraBold" pitchFamily="18" charset="-127"/>
-            </a:endParaRPr>
-          </a:p>
-        </p:txBody>
-      </p:sp>
-      <p:sp>
-        <p:nvSpPr>
           <p:cNvPr id="11" name="TextBox 10"/>
           <p:cNvSpPr txBox="1"/>
           <p:nvPr/>
@@ -9557,6 +10044,54 @@
               <a:t> preprint arXiv:2007.12626.</a:t>
             </a:r>
             <a:endParaRPr lang="ko-KR" altLang="en-US" sz="900" dirty="0"/>
+          </a:p>
+        </p:txBody>
+      </p:sp>
+      <p:sp>
+        <p:nvSpPr>
+          <p:cNvPr id="2" name="TextBox 1">
+            <a:extLst>
+              <a:ext uri="{FF2B5EF4-FFF2-40B4-BE49-F238E27FC236}">
+                <a16:creationId xmlns:a16="http://schemas.microsoft.com/office/drawing/2014/main" id="{E25EFFC1-C246-652B-5BFB-9EAFE2B7A8FF}"/>
+              </a:ext>
+            </a:extLst>
+          </p:cNvPr>
+          <p:cNvSpPr txBox="1"/>
+          <p:nvPr/>
+        </p:nvSpPr>
+        <p:spPr>
+          <a:xfrm>
+            <a:off x="5405777" y="2523999"/>
+            <a:ext cx="3552806" cy="646331"/>
+          </a:xfrm>
+          <a:prstGeom prst="rect">
+            <a:avLst/>
+          </a:prstGeom>
+          <a:noFill/>
+        </p:spPr>
+        <p:txBody>
+          <a:bodyPr wrap="square" rtlCol="0">
+            <a:spAutoFit/>
+          </a:bodyPr>
+          <a:lstStyle/>
+          <a:p>
+            <a:r>
+              <a:rPr lang="ko-KR" altLang="en-US" dirty="0"/>
+              <a:t>지난 화자 별 요약의 </a:t>
+            </a:r>
+            <a:r>
+              <a:rPr lang="en-US" altLang="ko-KR" dirty="0"/>
+              <a:t>meteor</a:t>
+            </a:r>
+            <a:r>
+              <a:rPr lang="ko-KR" altLang="en-US" dirty="0"/>
+              <a:t>값의 평균 점수는 </a:t>
+            </a:r>
+            <a:r>
+              <a:rPr lang="en-US" altLang="ko-KR" dirty="0"/>
+              <a:t>0.265</a:t>
+            </a:r>
+            <a:endParaRPr lang="ko-KR" altLang="en-US" dirty="0"/>
           </a:p>
         </p:txBody>
       </p:sp>
@@ -9838,48 +10373,6 @@
       </p:grpSp>
       <p:sp>
         <p:nvSpPr>
-          <p:cNvPr id="9" name="TextBox 8"/>
-          <p:cNvSpPr txBox="1"/>
-          <p:nvPr/>
-        </p:nvSpPr>
-        <p:spPr>
-          <a:xfrm>
-            <a:off x="3461133" y="767538"/>
-            <a:ext cx="1017715" cy="430887"/>
-          </a:xfrm>
-          <a:prstGeom prst="rect">
-            <a:avLst/>
-          </a:prstGeom>
-          <a:noFill/>
-        </p:spPr>
-        <p:txBody>
-          <a:bodyPr wrap="none" rtlCol="0">
-            <a:spAutoFit/>
-          </a:bodyPr>
-          <a:lstStyle/>
-          <a:p>
-            <a:r>
-              <a:rPr lang="en-US" altLang="ko-KR" sz="2200" b="1" i="1" dirty="0">
-                <a:solidFill>
-                  <a:srgbClr val="1E5B86"/>
-                </a:solidFill>
-                <a:latin typeface="나눔명조 ExtraBold" pitchFamily="18" charset="-127"/>
-                <a:ea typeface="나눔명조 ExtraBold" pitchFamily="18" charset="-127"/>
-              </a:rPr>
-              <a:t>2. STT</a:t>
-            </a:r>
-            <a:endParaRPr lang="ko-KR" altLang="en-US" sz="2200" b="1" i="1" dirty="0">
-              <a:solidFill>
-                <a:srgbClr val="1E5B86"/>
-              </a:solidFill>
-              <a:latin typeface="나눔명조 ExtraBold" pitchFamily="18" charset="-127"/>
-              <a:ea typeface="나눔명조 ExtraBold" pitchFamily="18" charset="-127"/>
-            </a:endParaRPr>
-          </a:p>
-        </p:txBody>
-      </p:sp>
-      <p:sp>
-        <p:nvSpPr>
           <p:cNvPr id="11" name="TextBox 10"/>
           <p:cNvSpPr txBox="1"/>
           <p:nvPr/>
@@ -10354,48 +10847,6 @@
           </p:txBody>
         </p:sp>
       </p:grpSp>
-      <p:sp>
-        <p:nvSpPr>
-          <p:cNvPr id="9" name="TextBox 8"/>
-          <p:cNvSpPr txBox="1"/>
-          <p:nvPr/>
-        </p:nvSpPr>
-        <p:spPr>
-          <a:xfrm>
-            <a:off x="3461133" y="767538"/>
-            <a:ext cx="1017715" cy="430887"/>
-          </a:xfrm>
-          <a:prstGeom prst="rect">
-            <a:avLst/>
-          </a:prstGeom>
-          <a:noFill/>
-        </p:spPr>
-        <p:txBody>
-          <a:bodyPr wrap="none" rtlCol="0">
-            <a:spAutoFit/>
-          </a:bodyPr>
-          <a:lstStyle/>
-          <a:p>
-            <a:r>
-              <a:rPr lang="en-US" altLang="ko-KR" sz="2200" b="1" i="1" dirty="0">
-                <a:solidFill>
-                  <a:srgbClr val="1E5B86"/>
-                </a:solidFill>
-                <a:latin typeface="나눔명조 ExtraBold" pitchFamily="18" charset="-127"/>
-                <a:ea typeface="나눔명조 ExtraBold" pitchFamily="18" charset="-127"/>
-              </a:rPr>
-              <a:t>2. STT</a:t>
-            </a:r>
-            <a:endParaRPr lang="ko-KR" altLang="en-US" sz="2200" b="1" i="1" dirty="0">
-              <a:solidFill>
-                <a:srgbClr val="1E5B86"/>
-              </a:solidFill>
-              <a:latin typeface="나눔명조 ExtraBold" pitchFamily="18" charset="-127"/>
-              <a:ea typeface="나눔명조 ExtraBold" pitchFamily="18" charset="-127"/>
-            </a:endParaRPr>
-          </a:p>
-        </p:txBody>
-      </p:sp>
       <p:sp>
         <p:nvSpPr>
           <p:cNvPr id="11" name="TextBox 10"/>
@@ -10855,48 +11306,6 @@
       </p:grpSp>
       <p:sp>
         <p:nvSpPr>
-          <p:cNvPr id="9" name="TextBox 8"/>
-          <p:cNvSpPr txBox="1"/>
-          <p:nvPr/>
-        </p:nvSpPr>
-        <p:spPr>
-          <a:xfrm>
-            <a:off x="3461133" y="767538"/>
-            <a:ext cx="1017715" cy="430887"/>
-          </a:xfrm>
-          <a:prstGeom prst="rect">
-            <a:avLst/>
-          </a:prstGeom>
-          <a:noFill/>
-        </p:spPr>
-        <p:txBody>
-          <a:bodyPr wrap="none" rtlCol="0">
-            <a:spAutoFit/>
-          </a:bodyPr>
-          <a:lstStyle/>
-          <a:p>
-            <a:r>
-              <a:rPr lang="en-US" altLang="ko-KR" sz="2200" b="1" i="1" dirty="0">
-                <a:solidFill>
-                  <a:srgbClr val="1E5B86"/>
-                </a:solidFill>
-                <a:latin typeface="나눔명조 ExtraBold" pitchFamily="18" charset="-127"/>
-                <a:ea typeface="나눔명조 ExtraBold" pitchFamily="18" charset="-127"/>
-              </a:rPr>
-              <a:t>2. STT</a:t>
-            </a:r>
-            <a:endParaRPr lang="ko-KR" altLang="en-US" sz="2200" b="1" i="1" dirty="0">
-              <a:solidFill>
-                <a:srgbClr val="1E5B86"/>
-              </a:solidFill>
-              <a:latin typeface="나눔명조 ExtraBold" pitchFamily="18" charset="-127"/>
-              <a:ea typeface="나눔명조 ExtraBold" pitchFamily="18" charset="-127"/>
-            </a:endParaRPr>
-          </a:p>
-        </p:txBody>
-      </p:sp>
-      <p:sp>
-        <p:nvSpPr>
           <p:cNvPr id="11" name="TextBox 10"/>
           <p:cNvSpPr txBox="1"/>
           <p:nvPr/>
@@ -11070,6 +11479,206 @@
           </a:prstGeom>
         </p:spPr>
       </p:pic>
+      <p:sp>
+        <p:nvSpPr>
+          <p:cNvPr id="4" name="TextBox 3">
+            <a:extLst>
+              <a:ext uri="{FF2B5EF4-FFF2-40B4-BE49-F238E27FC236}">
+                <a16:creationId xmlns:a16="http://schemas.microsoft.com/office/drawing/2014/main" id="{7FF56C0F-E567-2B11-BACD-D896603CB522}"/>
+              </a:ext>
+            </a:extLst>
+          </p:cNvPr>
+          <p:cNvSpPr txBox="1"/>
+          <p:nvPr/>
+        </p:nvSpPr>
+        <p:spPr>
+          <a:xfrm>
+            <a:off x="4622800" y="2196133"/>
+            <a:ext cx="3672408" cy="3416320"/>
+          </a:xfrm>
+          <a:prstGeom prst="rect">
+            <a:avLst/>
+          </a:prstGeom>
+          <a:noFill/>
+        </p:spPr>
+        <p:txBody>
+          <a:bodyPr wrap="square" rtlCol="0">
+            <a:spAutoFit/>
+          </a:bodyPr>
+          <a:lstStyle/>
+          <a:p>
+            <a:r>
+              <a:rPr lang="ko-KR" altLang="en-US" dirty="0"/>
+              <a:t>언어 모델</a:t>
+            </a:r>
+            <a:r>
+              <a:rPr lang="en-US" altLang="ko-KR" dirty="0"/>
+              <a:t>(</a:t>
+            </a:r>
+            <a:r>
+              <a:rPr lang="en-US" altLang="ko-KR" dirty="0" err="1"/>
+              <a:t>bertmaskedLM</a:t>
+            </a:r>
+            <a:r>
+              <a:rPr lang="en-US" altLang="ko-KR" dirty="0"/>
+              <a:t>)</a:t>
+            </a:r>
+            <a:r>
+              <a:rPr lang="ko-KR" altLang="en-US" dirty="0"/>
+              <a:t>을 통해 </a:t>
+            </a:r>
+            <a:r>
+              <a:rPr lang="en-US" altLang="ko-KR" dirty="0"/>
+              <a:t>masked token task </a:t>
+            </a:r>
+            <a:r>
+              <a:rPr lang="ko-KR" altLang="en-US" dirty="0"/>
+              <a:t>진행</a:t>
+            </a:r>
+            <a:endParaRPr lang="en-US" altLang="ko-KR" dirty="0"/>
+          </a:p>
+          <a:p>
+            <a:endParaRPr lang="en-US" altLang="ko-KR" dirty="0"/>
+          </a:p>
+          <a:p>
+            <a:r>
+              <a:rPr lang="en-US" altLang="ko-KR" dirty="0"/>
+              <a:t>1. </a:t>
+            </a:r>
+            <a:r>
+              <a:rPr lang="ko-KR" altLang="en-US" dirty="0"/>
+              <a:t>원문에서 </a:t>
+            </a:r>
+            <a:r>
+              <a:rPr lang="en-US" altLang="ko-KR" dirty="0"/>
+              <a:t>masked token task </a:t>
+            </a:r>
+            <a:r>
+              <a:rPr lang="ko-KR" altLang="en-US" dirty="0"/>
+              <a:t>진행</a:t>
+            </a:r>
+            <a:endParaRPr lang="en-US" altLang="ko-KR" dirty="0"/>
+          </a:p>
+          <a:p>
+            <a:endParaRPr lang="en-US" altLang="ko-KR" dirty="0"/>
+          </a:p>
+          <a:p>
+            <a:r>
+              <a:rPr lang="en-US" altLang="ko-KR" dirty="0"/>
+              <a:t>2. </a:t>
+            </a:r>
+            <a:r>
+              <a:rPr lang="ko-KR" altLang="en-US" dirty="0"/>
+              <a:t>요약문을 참조하여 </a:t>
+            </a:r>
+            <a:r>
+              <a:rPr lang="en-US" altLang="ko-KR" dirty="0"/>
+              <a:t>masked token task </a:t>
+            </a:r>
+            <a:r>
+              <a:rPr lang="ko-KR" altLang="en-US" dirty="0"/>
+              <a:t>진행</a:t>
+            </a:r>
+            <a:endParaRPr lang="en-US" altLang="ko-KR" dirty="0"/>
+          </a:p>
+          <a:p>
+            <a:endParaRPr lang="en-US" altLang="ko-KR" dirty="0"/>
+          </a:p>
+          <a:p>
+            <a:r>
+              <a:rPr lang="ko-KR" altLang="en-US" dirty="0"/>
+              <a:t>성능 </a:t>
+            </a:r>
+            <a:r>
+              <a:rPr lang="ko-KR" altLang="en-US" dirty="0" err="1"/>
+              <a:t>향상률을</a:t>
+            </a:r>
+            <a:r>
+              <a:rPr lang="ko-KR" altLang="en-US" dirty="0"/>
+              <a:t> 점수로 표현</a:t>
+            </a:r>
+            <a:endParaRPr lang="en-US" altLang="ko-KR" dirty="0"/>
+          </a:p>
+          <a:p>
+            <a:endParaRPr lang="en-US" altLang="ko-KR" dirty="0"/>
+          </a:p>
+          <a:p>
+            <a:endParaRPr lang="ko-KR" altLang="en-US" dirty="0"/>
+          </a:p>
+        </p:txBody>
+      </p:sp>
+      <p:sp>
+        <p:nvSpPr>
+          <p:cNvPr id="16" name="TextBox 15">
+            <a:extLst>
+              <a:ext uri="{FF2B5EF4-FFF2-40B4-BE49-F238E27FC236}">
+                <a16:creationId xmlns:a16="http://schemas.microsoft.com/office/drawing/2014/main" id="{A1D9442E-9DCF-A4C2-8D68-5782C1571DB8}"/>
+              </a:ext>
+            </a:extLst>
+          </p:cNvPr>
+          <p:cNvSpPr txBox="1"/>
+          <p:nvPr/>
+        </p:nvSpPr>
+        <p:spPr>
+          <a:xfrm>
+            <a:off x="842380" y="5393204"/>
+            <a:ext cx="6552728" cy="553998"/>
+          </a:xfrm>
+          <a:prstGeom prst="rect">
+            <a:avLst/>
+          </a:prstGeom>
+          <a:noFill/>
+        </p:spPr>
+        <p:txBody>
+          <a:bodyPr wrap="square" rtlCol="0">
+            <a:spAutoFit/>
+          </a:bodyPr>
+          <a:lstStyle/>
+          <a:p>
+            <a:r>
+              <a:rPr lang="en-US" altLang="ko-KR" sz="1000" dirty="0">
+                <a:effectLst/>
+                <a:latin typeface="맑은 고딕" panose="020B0503020000020004" pitchFamily="50" charset="-127"/>
+                <a:cs typeface="Times New Roman" panose="02020603050405020304" pitchFamily="18" charset="0"/>
+              </a:rPr>
+              <a:t>Vasilyev, O., </a:t>
+            </a:r>
+            <a:r>
+              <a:rPr lang="en-US" altLang="ko-KR" sz="1000" dirty="0" err="1">
+                <a:effectLst/>
+                <a:latin typeface="맑은 고딕" panose="020B0503020000020004" pitchFamily="50" charset="-127"/>
+                <a:cs typeface="Times New Roman" panose="02020603050405020304" pitchFamily="18" charset="0"/>
+              </a:rPr>
+              <a:t>Dharnidharka</a:t>
+            </a:r>
+            <a:r>
+              <a:rPr lang="en-US" altLang="ko-KR" sz="1000" dirty="0">
+                <a:effectLst/>
+                <a:latin typeface="맑은 고딕" panose="020B0503020000020004" pitchFamily="50" charset="-127"/>
+                <a:cs typeface="Times New Roman" panose="02020603050405020304" pitchFamily="18" charset="0"/>
+              </a:rPr>
+              <a:t>, V., &amp; Bohannon, J. (2020). Fill in the BLANC: Human-free quality estimation of document summaries. Proceedings of the First Workshop on Evaluation and Comparison of NLP Systems, 11-20. </a:t>
+            </a:r>
+            <a:r>
+              <a:rPr lang="en-US" altLang="ko-KR" sz="1000" dirty="0" err="1">
+                <a:effectLst/>
+                <a:latin typeface="맑은 고딕" panose="020B0503020000020004" pitchFamily="50" charset="-127"/>
+                <a:cs typeface="Times New Roman" panose="02020603050405020304" pitchFamily="18" charset="0"/>
+              </a:rPr>
+              <a:t>arXiv</a:t>
+            </a:r>
+            <a:r>
+              <a:rPr lang="en-US" altLang="ko-KR" sz="1000" dirty="0">
+                <a:effectLst/>
+                <a:latin typeface="맑은 고딕" panose="020B0503020000020004" pitchFamily="50" charset="-127"/>
+                <a:cs typeface="Times New Roman" panose="02020603050405020304" pitchFamily="18" charset="0"/>
+              </a:rPr>
+              <a:t> preprint arXiv:2002.09836.</a:t>
+            </a:r>
+            <a:endParaRPr lang="ko-KR" altLang="en-US" sz="1000" dirty="0"/>
+          </a:p>
+        </p:txBody>
+      </p:sp>
     </p:spTree>
     <p:extLst>
       <p:ext uri="{BB962C8B-B14F-4D97-AF65-F5344CB8AC3E}">
@@ -11346,48 +11955,6 @@
           </p:txBody>
         </p:sp>
       </p:grpSp>
-      <p:sp>
-        <p:nvSpPr>
-          <p:cNvPr id="9" name="TextBox 8"/>
-          <p:cNvSpPr txBox="1"/>
-          <p:nvPr/>
-        </p:nvSpPr>
-        <p:spPr>
-          <a:xfrm>
-            <a:off x="3461133" y="767538"/>
-            <a:ext cx="1017715" cy="430887"/>
-          </a:xfrm>
-          <a:prstGeom prst="rect">
-            <a:avLst/>
-          </a:prstGeom>
-          <a:noFill/>
-        </p:spPr>
-        <p:txBody>
-          <a:bodyPr wrap="none" rtlCol="0">
-            <a:spAutoFit/>
-          </a:bodyPr>
-          <a:lstStyle/>
-          <a:p>
-            <a:r>
-              <a:rPr lang="en-US" altLang="ko-KR" sz="2200" b="1" i="1" dirty="0">
-                <a:solidFill>
-                  <a:srgbClr val="1E5B86"/>
-                </a:solidFill>
-                <a:latin typeface="나눔명조 ExtraBold" pitchFamily="18" charset="-127"/>
-                <a:ea typeface="나눔명조 ExtraBold" pitchFamily="18" charset="-127"/>
-              </a:rPr>
-              <a:t>2. STT</a:t>
-            </a:r>
-            <a:endParaRPr lang="ko-KR" altLang="en-US" sz="2200" b="1" i="1" dirty="0">
-              <a:solidFill>
-                <a:srgbClr val="1E5B86"/>
-              </a:solidFill>
-              <a:latin typeface="나눔명조 ExtraBold" pitchFamily="18" charset="-127"/>
-              <a:ea typeface="나눔명조 ExtraBold" pitchFamily="18" charset="-127"/>
-            </a:endParaRPr>
-          </a:p>
-        </p:txBody>
-      </p:sp>
       <p:sp>
         <p:nvSpPr>
           <p:cNvPr id="11" name="TextBox 10"/>
@@ -11841,48 +12408,6 @@
       </p:grpSp>
       <p:sp>
         <p:nvSpPr>
-          <p:cNvPr id="9" name="TextBox 8"/>
-          <p:cNvSpPr txBox="1"/>
-          <p:nvPr/>
-        </p:nvSpPr>
-        <p:spPr>
-          <a:xfrm>
-            <a:off x="3461133" y="767538"/>
-            <a:ext cx="1017715" cy="430887"/>
-          </a:xfrm>
-          <a:prstGeom prst="rect">
-            <a:avLst/>
-          </a:prstGeom>
-          <a:noFill/>
-        </p:spPr>
-        <p:txBody>
-          <a:bodyPr wrap="none" rtlCol="0">
-            <a:spAutoFit/>
-          </a:bodyPr>
-          <a:lstStyle/>
-          <a:p>
-            <a:r>
-              <a:rPr lang="en-US" altLang="ko-KR" sz="2200" b="1" i="1" dirty="0">
-                <a:solidFill>
-                  <a:srgbClr val="1E5B86"/>
-                </a:solidFill>
-                <a:latin typeface="나눔명조 ExtraBold" pitchFamily="18" charset="-127"/>
-                <a:ea typeface="나눔명조 ExtraBold" pitchFamily="18" charset="-127"/>
-              </a:rPr>
-              <a:t>2. STT</a:t>
-            </a:r>
-            <a:endParaRPr lang="ko-KR" altLang="en-US" sz="2200" b="1" i="1" dirty="0">
-              <a:solidFill>
-                <a:srgbClr val="1E5B86"/>
-              </a:solidFill>
-              <a:latin typeface="나눔명조 ExtraBold" pitchFamily="18" charset="-127"/>
-              <a:ea typeface="나눔명조 ExtraBold" pitchFamily="18" charset="-127"/>
-            </a:endParaRPr>
-          </a:p>
-        </p:txBody>
-      </p:sp>
-      <p:sp>
-        <p:nvSpPr>
           <p:cNvPr id="11" name="TextBox 10"/>
           <p:cNvSpPr txBox="1"/>
           <p:nvPr/>
@@ -12013,6 +12538,358 @@
           </a:p>
         </p:txBody>
       </p:sp>
+      <p:graphicFrame>
+        <p:nvGraphicFramePr>
+          <p:cNvPr id="2" name="표 3">
+            <a:extLst>
+              <a:ext uri="{FF2B5EF4-FFF2-40B4-BE49-F238E27FC236}">
+                <a16:creationId xmlns:a16="http://schemas.microsoft.com/office/drawing/2014/main" id="{C883209B-7B68-F747-422E-719F65894CE8}"/>
+              </a:ext>
+            </a:extLst>
+          </p:cNvPr>
+          <p:cNvGraphicFramePr>
+            <a:graphicFrameLocks noGrp="1"/>
+          </p:cNvGraphicFramePr>
+          <p:nvPr>
+            <p:extLst>
+              <p:ext uri="{D42A27DB-BD31-4B8C-83A1-F6EECF244321}">
+                <p14:modId xmlns:p14="http://schemas.microsoft.com/office/powerpoint/2010/main" val="3383689462"/>
+              </p:ext>
+            </p:extLst>
+          </p:nvPr>
+        </p:nvGraphicFramePr>
+        <p:xfrm>
+          <a:off x="1132921" y="2819943"/>
+          <a:ext cx="5290079" cy="2956560"/>
+        </p:xfrm>
+        <a:graphic>
+          <a:graphicData uri="http://schemas.openxmlformats.org/drawingml/2006/table">
+            <a:tbl>
+              <a:tblPr firstRow="1" bandRow="1">
+                <a:tableStyleId>{5C22544A-7EE6-4342-B048-85BDC9FD1C3A}</a:tableStyleId>
+              </a:tblPr>
+              <a:tblGrid>
+                <a:gridCol w="1326579">
+                  <a:extLst>
+                    <a:ext uri="{9D8B030D-6E8A-4147-A177-3AD203B41FA5}">
+                      <a16:colId xmlns:a16="http://schemas.microsoft.com/office/drawing/2014/main" val="1174316769"/>
+                    </a:ext>
+                  </a:extLst>
+                </a:gridCol>
+                <a:gridCol w="3963500">
+                  <a:extLst>
+                    <a:ext uri="{9D8B030D-6E8A-4147-A177-3AD203B41FA5}">
+                      <a16:colId xmlns:a16="http://schemas.microsoft.com/office/drawing/2014/main" val="3473792849"/>
+                    </a:ext>
+                  </a:extLst>
+                </a:gridCol>
+              </a:tblGrid>
+              <a:tr h="370840">
+                <a:tc>
+                  <a:txBody>
+                    <a:bodyPr/>
+                    <a:lstStyle/>
+                    <a:p>
+                      <a:pPr latinLnBrk="1"/>
+                      <a:endParaRPr lang="ko-KR" altLang="en-US" dirty="0"/>
+                    </a:p>
+                  </a:txBody>
+                  <a:tcPr/>
+                </a:tc>
+                <a:tc>
+                  <a:txBody>
+                    <a:bodyPr/>
+                    <a:lstStyle/>
+                    <a:p>
+                      <a:pPr algn="ctr" latinLnBrk="1"/>
+                      <a:r>
+                        <a:rPr lang="en-US" altLang="ko-KR" dirty="0"/>
+                        <a:t>BLANC</a:t>
+                      </a:r>
+                      <a:endParaRPr lang="ko-KR" altLang="en-US" dirty="0"/>
+                    </a:p>
+                  </a:txBody>
+                  <a:tcPr/>
+                </a:tc>
+                <a:extLst>
+                  <a:ext uri="{0D108BD9-81ED-4DB2-BD59-A6C34878D82A}">
+                    <a16:rowId xmlns:a16="http://schemas.microsoft.com/office/drawing/2014/main" val="4238662422"/>
+                  </a:ext>
+                </a:extLst>
+              </a:tr>
+              <a:tr h="370840">
+                <a:tc>
+                  <a:txBody>
+                    <a:bodyPr/>
+                    <a:lstStyle/>
+                    <a:p>
+                      <a:pPr latinLnBrk="1"/>
+                      <a:r>
+                        <a:rPr lang="en-US" altLang="ko-KR" dirty="0"/>
+                        <a:t>History</a:t>
+                      </a:r>
+                      <a:endParaRPr lang="ko-KR" altLang="en-US" dirty="0"/>
+                    </a:p>
+                  </a:txBody>
+                  <a:tcPr/>
+                </a:tc>
+                <a:tc>
+                  <a:txBody>
+                    <a:bodyPr/>
+                    <a:lstStyle/>
+                    <a:p>
+                      <a:pPr algn="ctr" latinLnBrk="1"/>
+                      <a:r>
+                        <a:rPr lang="en-US" altLang="ko-KR" dirty="0"/>
+                        <a:t>0.5766</a:t>
+                      </a:r>
+                      <a:endParaRPr lang="ko-KR" altLang="en-US" dirty="0"/>
+                    </a:p>
+                  </a:txBody>
+                  <a:tcPr/>
+                </a:tc>
+                <a:extLst>
+                  <a:ext uri="{0D108BD9-81ED-4DB2-BD59-A6C34878D82A}">
+                    <a16:rowId xmlns:a16="http://schemas.microsoft.com/office/drawing/2014/main" val="3525231988"/>
+                  </a:ext>
+                </a:extLst>
+              </a:tr>
+              <a:tr h="370840">
+                <a:tc>
+                  <a:txBody>
+                    <a:bodyPr/>
+                    <a:lstStyle/>
+                    <a:p>
+                      <a:pPr latinLnBrk="1"/>
+                      <a:r>
+                        <a:rPr lang="en-US" altLang="ko-KR" dirty="0" err="1"/>
+                        <a:t>Fs_drama</a:t>
+                      </a:r>
+                      <a:endParaRPr lang="ko-KR" altLang="en-US" dirty="0"/>
+                    </a:p>
+                  </a:txBody>
+                  <a:tcPr/>
+                </a:tc>
+                <a:tc>
+                  <a:txBody>
+                    <a:bodyPr/>
+                    <a:lstStyle/>
+                    <a:p>
+                      <a:pPr algn="ctr" latinLnBrk="1"/>
+                      <a:r>
+                        <a:rPr lang="en-US" altLang="ko-KR" dirty="0"/>
+                        <a:t>0.4045</a:t>
+                      </a:r>
+                      <a:endParaRPr lang="ko-KR" altLang="en-US" dirty="0"/>
+                    </a:p>
+                  </a:txBody>
+                  <a:tcPr/>
+                </a:tc>
+                <a:extLst>
+                  <a:ext uri="{0D108BD9-81ED-4DB2-BD59-A6C34878D82A}">
+                    <a16:rowId xmlns:a16="http://schemas.microsoft.com/office/drawing/2014/main" val="3079486287"/>
+                  </a:ext>
+                </a:extLst>
+              </a:tr>
+              <a:tr h="370840">
+                <a:tc>
+                  <a:txBody>
+                    <a:bodyPr/>
+                    <a:lstStyle/>
+                    <a:p>
+                      <a:pPr latinLnBrk="1"/>
+                      <a:r>
+                        <a:rPr lang="en-US" altLang="ko-KR" dirty="0" err="1"/>
+                        <a:t>fm_drama</a:t>
+                      </a:r>
+                      <a:endParaRPr lang="ko-KR" altLang="en-US" dirty="0"/>
+                    </a:p>
+                  </a:txBody>
+                  <a:tcPr/>
+                </a:tc>
+                <a:tc>
+                  <a:txBody>
+                    <a:bodyPr/>
+                    <a:lstStyle/>
+                    <a:p>
+                      <a:pPr algn="ctr" latinLnBrk="1"/>
+                      <a:r>
+                        <a:rPr lang="en-US" altLang="ko-KR" dirty="0"/>
+                        <a:t>0.5489</a:t>
+                      </a:r>
+                      <a:endParaRPr lang="ko-KR" altLang="en-US" dirty="0"/>
+                    </a:p>
+                  </a:txBody>
+                  <a:tcPr/>
+                </a:tc>
+                <a:extLst>
+                  <a:ext uri="{0D108BD9-81ED-4DB2-BD59-A6C34878D82A}">
+                    <a16:rowId xmlns:a16="http://schemas.microsoft.com/office/drawing/2014/main" val="3576120074"/>
+                  </a:ext>
+                </a:extLst>
+              </a:tr>
+              <a:tr h="370840">
+                <a:tc>
+                  <a:txBody>
+                    <a:bodyPr/>
+                    <a:lstStyle/>
+                    <a:p>
+                      <a:pPr latinLnBrk="1"/>
+                      <a:r>
+                        <a:rPr lang="en-US" altLang="ko-KR" dirty="0"/>
+                        <a:t>Enter</a:t>
+                      </a:r>
+                      <a:endParaRPr lang="ko-KR" altLang="en-US" dirty="0"/>
+                    </a:p>
+                  </a:txBody>
+                  <a:tcPr/>
+                </a:tc>
+                <a:tc>
+                  <a:txBody>
+                    <a:bodyPr/>
+                    <a:lstStyle/>
+                    <a:p>
+                      <a:pPr algn="ctr" latinLnBrk="1"/>
+                      <a:r>
+                        <a:rPr lang="en-US" altLang="ko-KR" dirty="0"/>
+                        <a:t>0.2416</a:t>
+                      </a:r>
+                      <a:endParaRPr lang="ko-KR" altLang="en-US" dirty="0"/>
+                    </a:p>
+                  </a:txBody>
+                  <a:tcPr/>
+                </a:tc>
+                <a:extLst>
+                  <a:ext uri="{0D108BD9-81ED-4DB2-BD59-A6C34878D82A}">
+                    <a16:rowId xmlns:a16="http://schemas.microsoft.com/office/drawing/2014/main" val="4293747489"/>
+                  </a:ext>
+                </a:extLst>
+              </a:tr>
+              <a:tr h="370840">
+                <a:tc>
+                  <a:txBody>
+                    <a:bodyPr/>
+                    <a:lstStyle/>
+                    <a:p>
+                      <a:pPr latinLnBrk="1"/>
+                      <a:r>
+                        <a:rPr lang="en-US" altLang="ko-KR" dirty="0" err="1"/>
+                        <a:t>C_event</a:t>
+                      </a:r>
+                      <a:endParaRPr lang="ko-KR" altLang="en-US" dirty="0"/>
+                    </a:p>
+                  </a:txBody>
+                  <a:tcPr/>
+                </a:tc>
+                <a:tc>
+                  <a:txBody>
+                    <a:bodyPr/>
+                    <a:lstStyle/>
+                    <a:p>
+                      <a:pPr algn="ctr" latinLnBrk="1"/>
+                      <a:r>
+                        <a:rPr lang="en-US" altLang="ko-KR" dirty="0"/>
+                        <a:t>0.3532</a:t>
+                      </a:r>
+                      <a:endParaRPr lang="ko-KR" altLang="en-US" dirty="0"/>
+                    </a:p>
+                  </a:txBody>
+                  <a:tcPr/>
+                </a:tc>
+                <a:extLst>
+                  <a:ext uri="{0D108BD9-81ED-4DB2-BD59-A6C34878D82A}">
+                    <a16:rowId xmlns:a16="http://schemas.microsoft.com/office/drawing/2014/main" val="3186763650"/>
+                  </a:ext>
+                </a:extLst>
+              </a:tr>
+              <a:tr h="185420">
+                <a:tc>
+                  <a:txBody>
+                    <a:bodyPr/>
+                    <a:lstStyle/>
+                    <a:p>
+                      <a:pPr latinLnBrk="1"/>
+                      <a:r>
+                        <a:rPr lang="en-US" altLang="ko-KR" dirty="0"/>
+                        <a:t>culture</a:t>
+                      </a:r>
+                      <a:endParaRPr lang="ko-KR" altLang="en-US" dirty="0"/>
+                    </a:p>
+                  </a:txBody>
+                  <a:tcPr/>
+                </a:tc>
+                <a:tc>
+                  <a:txBody>
+                    <a:bodyPr/>
+                    <a:lstStyle/>
+                    <a:p>
+                      <a:pPr algn="ctr" latinLnBrk="1"/>
+                      <a:r>
+                        <a:rPr lang="en-US" altLang="ko-KR" dirty="0"/>
+                        <a:t>0.3541</a:t>
+                      </a:r>
+                    </a:p>
+                  </a:txBody>
+                  <a:tcPr/>
+                </a:tc>
+                <a:extLst>
+                  <a:ext uri="{0D108BD9-81ED-4DB2-BD59-A6C34878D82A}">
+                    <a16:rowId xmlns:a16="http://schemas.microsoft.com/office/drawing/2014/main" val="3974093335"/>
+                  </a:ext>
+                </a:extLst>
+              </a:tr>
+              <a:tr h="185420">
+                <a:tc>
+                  <a:txBody>
+                    <a:bodyPr/>
+                    <a:lstStyle/>
+                    <a:p>
+                      <a:pPr latinLnBrk="1"/>
+                      <a:r>
+                        <a:rPr lang="en-US" altLang="ko-KR" dirty="0">
+                          <a:solidFill>
+                            <a:srgbClr val="C08B08"/>
+                          </a:solidFill>
+                        </a:rPr>
+                        <a:t>average</a:t>
+                      </a:r>
+                      <a:endParaRPr lang="ko-KR" altLang="en-US" dirty="0">
+                        <a:solidFill>
+                          <a:srgbClr val="C08B08"/>
+                        </a:solidFill>
+                      </a:endParaRPr>
+                    </a:p>
+                  </a:txBody>
+                  <a:tcPr/>
+                </a:tc>
+                <a:tc>
+                  <a:txBody>
+                    <a:bodyPr/>
+                    <a:lstStyle/>
+                    <a:p>
+                      <a:pPr algn="ctr" latinLnBrk="1"/>
+                      <a:r>
+                        <a:rPr lang="en-US" altLang="ko-KR" dirty="0">
+                          <a:solidFill>
+                            <a:srgbClr val="C08B08"/>
+                          </a:solidFill>
+                        </a:rPr>
+                        <a:t>0.4132</a:t>
+                      </a:r>
+                    </a:p>
+                  </a:txBody>
+                  <a:tcPr/>
+                </a:tc>
+                <a:extLst>
+                  <a:ext uri="{0D108BD9-81ED-4DB2-BD59-A6C34878D82A}">
+                    <a16:rowId xmlns:a16="http://schemas.microsoft.com/office/drawing/2014/main" val="929828957"/>
+                  </a:ext>
+                </a:extLst>
+              </a:tr>
+            </a:tbl>
+          </a:graphicData>
+        </a:graphic>
+      </p:graphicFrame>
     </p:spTree>
     <p:extLst>
       <p:ext uri="{BB962C8B-B14F-4D97-AF65-F5344CB8AC3E}">
